--- a/Project/Powerpoint slides/Gilbert.pptx
+++ b/Project/Powerpoint slides/Gilbert.pptx
@@ -6,8 +6,6 @@
   </p:sldMasterIdLst>
   <p:sldIdLst>
     <p:sldId id="256" r:id="rId2"/>
-    <p:sldId id="257" r:id="rId3"/>
-    <p:sldId id="258" r:id="rId4"/>
   </p:sldIdLst>
   <p:sldSz cx="12192000" cy="6858000"/>
   <p:notesSz cx="6858000" cy="9144000"/>
@@ -106,123 +104,24 @@
       </a:defRPr>
     </a:lvl9pPr>
   </p:defaultTextStyle>
-  <p:extLst>
-    <p:ext uri="{EFAFB233-063F-42B5-8137-9DF3F51BA10A}">
-      <p15:sldGuideLst xmlns:p15="http://schemas.microsoft.com/office/powerpoint/2012/main"/>
-    </p:ext>
-  </p:extLst>
 </p:presentation>
-</file>
-
-<file path=ppt/revisionInfo.xml><?xml version="1.0" encoding="utf-8"?>
-<p1510:revInfo xmlns:a="http://schemas.openxmlformats.org/drawingml/2006/main" xmlns:r="http://schemas.openxmlformats.org/officeDocument/2006/relationships" xmlns:p1510="http://schemas.microsoft.com/office/powerpoint/2015/10/main">
-  <p1510:revLst>
-    <p1510:client id="{07FFF4FC-700D-4FDB-BF76-0DF5A953A87B}" v="14" dt="2024-10-12T23:32:10.477"/>
-  </p1510:revLst>
-</p1510:revInfo>
 </file>
 
 <file path=ppt/changesInfos/changesInfo1.xml><?xml version="1.0" encoding="utf-8"?>
 <pc:chgInfo xmlns:a="http://schemas.openxmlformats.org/drawingml/2006/main" xmlns:r="http://schemas.openxmlformats.org/officeDocument/2006/relationships" xmlns:ac="http://schemas.microsoft.com/office/drawing/2013/main/command" xmlns:pc="http://schemas.microsoft.com/office/powerpoint/2013/main/command">
   <pc:docChgLst>
-    <pc:chgData name="Gil Biggs" userId="9918958fc078604e" providerId="LiveId" clId="{07FFF4FC-700D-4FDB-BF76-0DF5A953A87B}"/>
-    <pc:docChg chg="custSel addSld modSld">
-      <pc:chgData name="Gil Biggs" userId="9918958fc078604e" providerId="LiveId" clId="{07FFF4FC-700D-4FDB-BF76-0DF5A953A87B}" dt="2024-10-12T23:33:51.061" v="67" actId="14100"/>
+    <pc:chgData name="Gil Biggs" userId="9918958fc078604e" providerId="LiveId" clId="{32AE9185-EDD1-4C1D-9CD2-77115A0686C3}"/>
+    <pc:docChg chg="addSld">
+      <pc:chgData name="Gil Biggs" userId="9918958fc078604e" providerId="LiveId" clId="{32AE9185-EDD1-4C1D-9CD2-77115A0686C3}" dt="2024-10-13T22:45:38.965" v="0" actId="680"/>
       <pc:docMkLst>
         <pc:docMk/>
       </pc:docMkLst>
-      <pc:sldChg chg="addSp delSp modSp new mod chgLayout">
-        <pc:chgData name="Gil Biggs" userId="9918958fc078604e" providerId="LiveId" clId="{07FFF4FC-700D-4FDB-BF76-0DF5A953A87B}" dt="2024-10-12T23:27:03.990" v="3" actId="20577"/>
+      <pc:sldChg chg="new">
+        <pc:chgData name="Gil Biggs" userId="9918958fc078604e" providerId="LiveId" clId="{32AE9185-EDD1-4C1D-9CD2-77115A0686C3}" dt="2024-10-13T22:45:38.965" v="0" actId="680"/>
         <pc:sldMkLst>
           <pc:docMk/>
-          <pc:sldMk cId="4122436765" sldId="256"/>
+          <pc:sldMk cId="2020188002" sldId="256"/>
         </pc:sldMkLst>
-        <pc:spChg chg="del">
-          <ac:chgData name="Gil Biggs" userId="9918958fc078604e" providerId="LiveId" clId="{07FFF4FC-700D-4FDB-BF76-0DF5A953A87B}" dt="2024-10-12T23:19:10.563" v="1" actId="700"/>
-          <ac:spMkLst>
-            <pc:docMk/>
-            <pc:sldMk cId="4122436765" sldId="256"/>
-            <ac:spMk id="2" creationId="{697F8FE5-BB5C-9B41-6523-639722327A09}"/>
-          </ac:spMkLst>
-        </pc:spChg>
-        <pc:spChg chg="del">
-          <ac:chgData name="Gil Biggs" userId="9918958fc078604e" providerId="LiveId" clId="{07FFF4FC-700D-4FDB-BF76-0DF5A953A87B}" dt="2024-10-12T23:19:10.563" v="1" actId="700"/>
-          <ac:spMkLst>
-            <pc:docMk/>
-            <pc:sldMk cId="4122436765" sldId="256"/>
-            <ac:spMk id="3" creationId="{CDA8DFC3-B78D-4CE1-553E-A788B2325B55}"/>
-          </ac:spMkLst>
-        </pc:spChg>
-        <pc:spChg chg="add mod ord">
-          <ac:chgData name="Gil Biggs" userId="9918958fc078604e" providerId="LiveId" clId="{07FFF4FC-700D-4FDB-BF76-0DF5A953A87B}" dt="2024-10-12T23:27:03.990" v="3" actId="20577"/>
-          <ac:spMkLst>
-            <pc:docMk/>
-            <pc:sldMk cId="4122436765" sldId="256"/>
-            <ac:spMk id="4" creationId="{55FF457F-230D-2222-6051-FB735BA925DD}"/>
-          </ac:spMkLst>
-        </pc:spChg>
-        <pc:spChg chg="add mod ord">
-          <ac:chgData name="Gil Biggs" userId="9918958fc078604e" providerId="LiveId" clId="{07FFF4FC-700D-4FDB-BF76-0DF5A953A87B}" dt="2024-10-12T23:19:10.563" v="1" actId="700"/>
-          <ac:spMkLst>
-            <pc:docMk/>
-            <pc:sldMk cId="4122436765" sldId="256"/>
-            <ac:spMk id="5" creationId="{C0E7614C-CDCA-7F28-77B1-DB9B9A6C80F5}"/>
-          </ac:spMkLst>
-        </pc:spChg>
-      </pc:sldChg>
-      <pc:sldChg chg="addSp delSp modSp new mod">
-        <pc:chgData name="Gil Biggs" userId="9918958fc078604e" providerId="LiveId" clId="{07FFF4FC-700D-4FDB-BF76-0DF5A953A87B}" dt="2024-10-12T23:32:15.990" v="39" actId="20577"/>
-        <pc:sldMkLst>
-          <pc:docMk/>
-          <pc:sldMk cId="1680795979" sldId="257"/>
-        </pc:sldMkLst>
-        <pc:spChg chg="mod">
-          <ac:chgData name="Gil Biggs" userId="9918958fc078604e" providerId="LiveId" clId="{07FFF4FC-700D-4FDB-BF76-0DF5A953A87B}" dt="2024-10-12T23:29:39.583" v="18" actId="20577"/>
-          <ac:spMkLst>
-            <pc:docMk/>
-            <pc:sldMk cId="1680795979" sldId="257"/>
-            <ac:spMk id="2" creationId="{ED3EB716-12E4-B0B5-B6E1-5A532994796A}"/>
-          </ac:spMkLst>
-        </pc:spChg>
-        <pc:spChg chg="del mod">
-          <ac:chgData name="Gil Biggs" userId="9918958fc078604e" providerId="LiveId" clId="{07FFF4FC-700D-4FDB-BF76-0DF5A953A87B}" dt="2024-10-12T23:30:27.318" v="20"/>
-          <ac:spMkLst>
-            <pc:docMk/>
-            <pc:sldMk cId="1680795979" sldId="257"/>
-            <ac:spMk id="3" creationId="{05690874-F594-536F-5359-15519C78B0F1}"/>
-          </ac:spMkLst>
-        </pc:spChg>
-        <pc:spChg chg="add mod">
-          <ac:chgData name="Gil Biggs" userId="9918958fc078604e" providerId="LiveId" clId="{07FFF4FC-700D-4FDB-BF76-0DF5A953A87B}" dt="2024-10-12T23:32:15.990" v="39" actId="20577"/>
-          <ac:spMkLst>
-            <pc:docMk/>
-            <pc:sldMk cId="1680795979" sldId="257"/>
-            <ac:spMk id="4" creationId="{AA01CD72-0BD1-4787-6179-D2122F65BA85}"/>
-          </ac:spMkLst>
-        </pc:spChg>
-      </pc:sldChg>
-      <pc:sldChg chg="modSp new mod">
-        <pc:chgData name="Gil Biggs" userId="9918958fc078604e" providerId="LiveId" clId="{07FFF4FC-700D-4FDB-BF76-0DF5A953A87B}" dt="2024-10-12T23:33:51.061" v="67" actId="14100"/>
-        <pc:sldMkLst>
-          <pc:docMk/>
-          <pc:sldMk cId="542633858" sldId="258"/>
-        </pc:sldMkLst>
-        <pc:spChg chg="mod">
-          <ac:chgData name="Gil Biggs" userId="9918958fc078604e" providerId="LiveId" clId="{07FFF4FC-700D-4FDB-BF76-0DF5A953A87B}" dt="2024-10-12T23:33:30.308" v="61" actId="790"/>
-          <ac:spMkLst>
-            <pc:docMk/>
-            <pc:sldMk cId="542633858" sldId="258"/>
-            <ac:spMk id="2" creationId="{E509352F-BACE-AE02-BEAD-757CD3CD5793}"/>
-          </ac:spMkLst>
-        </pc:spChg>
-        <pc:spChg chg="mod">
-          <ac:chgData name="Gil Biggs" userId="9918958fc078604e" providerId="LiveId" clId="{07FFF4FC-700D-4FDB-BF76-0DF5A953A87B}" dt="2024-10-12T23:33:51.061" v="67" actId="14100"/>
-          <ac:spMkLst>
-            <pc:docMk/>
-            <pc:sldMk cId="542633858" sldId="258"/>
-            <ac:spMk id="3" creationId="{C10FA1A3-8AF0-984E-79D6-B1EDAD8778F0}"/>
-          </ac:spMkLst>
-        </pc:spChg>
       </pc:sldChg>
     </pc:docChg>
   </pc:docChgLst>
@@ -251,7 +150,7 @@
           <p:cNvPr id="2" name="Title 1">
             <a:extLst>
               <a:ext uri="{FF2B5EF4-FFF2-40B4-BE49-F238E27FC236}">
-                <a16:creationId xmlns:a16="http://schemas.microsoft.com/office/drawing/2014/main" id="{3582C71A-4E5D-878D-EA41-C53BF0730F17}"/>
+                <a16:creationId xmlns:a16="http://schemas.microsoft.com/office/drawing/2014/main" id="{2A2FA1C2-F235-9842-66CD-418109EC5003}"/>
               </a:ext>
             </a:extLst>
           </p:cNvPr>
@@ -289,7 +188,7 @@
           <p:cNvPr id="3" name="Subtitle 2">
             <a:extLst>
               <a:ext uri="{FF2B5EF4-FFF2-40B4-BE49-F238E27FC236}">
-                <a16:creationId xmlns:a16="http://schemas.microsoft.com/office/drawing/2014/main" id="{2CCEAB12-843D-61B0-DCC5-4904D088967E}"/>
+                <a16:creationId xmlns:a16="http://schemas.microsoft.com/office/drawing/2014/main" id="{14DBFE82-8888-D7D7-B4E9-C9AD384DDB6C}"/>
               </a:ext>
             </a:extLst>
           </p:cNvPr>
@@ -360,7 +259,7 @@
           <p:cNvPr id="4" name="Date Placeholder 3">
             <a:extLst>
               <a:ext uri="{FF2B5EF4-FFF2-40B4-BE49-F238E27FC236}">
-                <a16:creationId xmlns:a16="http://schemas.microsoft.com/office/drawing/2014/main" id="{974FC1E6-9FF1-EAE2-695F-E83ED40338A8}"/>
+                <a16:creationId xmlns:a16="http://schemas.microsoft.com/office/drawing/2014/main" id="{236A7424-01D5-BEDC-27E5-05A82431F065}"/>
               </a:ext>
             </a:extLst>
           </p:cNvPr>
@@ -376,7 +275,7 @@
           <a:bodyPr/>
           <a:lstStyle/>
           <a:p>
-            <a:fld id="{ABA010E8-8B5B-4B0A-9592-B5FCD201839B}" type="datetimeFigureOut">
+            <a:fld id="{9E81B343-C886-4BE7-BDCF-F48F63AA8696}" type="datetimeFigureOut">
               <a:rPr lang="en-AU" smtClean="0"/>
               <a:t>13/10/2024</a:t>
             </a:fld>
@@ -389,7 +288,7 @@
           <p:cNvPr id="5" name="Footer Placeholder 4">
             <a:extLst>
               <a:ext uri="{FF2B5EF4-FFF2-40B4-BE49-F238E27FC236}">
-                <a16:creationId xmlns:a16="http://schemas.microsoft.com/office/drawing/2014/main" id="{F8FF2F71-1CAD-EE1C-7006-A56A5F4E8F53}"/>
+                <a16:creationId xmlns:a16="http://schemas.microsoft.com/office/drawing/2014/main" id="{40A1E11B-57BB-427B-FA80-DAE5F1C18B9A}"/>
               </a:ext>
             </a:extLst>
           </p:cNvPr>
@@ -414,7 +313,7 @@
           <p:cNvPr id="6" name="Slide Number Placeholder 5">
             <a:extLst>
               <a:ext uri="{FF2B5EF4-FFF2-40B4-BE49-F238E27FC236}">
-                <a16:creationId xmlns:a16="http://schemas.microsoft.com/office/drawing/2014/main" id="{35C23F35-66C6-6098-532D-8B5C4EAD1FCA}"/>
+                <a16:creationId xmlns:a16="http://schemas.microsoft.com/office/drawing/2014/main" id="{6718D74E-4427-A307-43A2-95933998BC66}"/>
               </a:ext>
             </a:extLst>
           </p:cNvPr>
@@ -430,7 +329,7 @@
           <a:bodyPr/>
           <a:lstStyle/>
           <a:p>
-            <a:fld id="{B4B22375-B4A0-47AA-BA6D-A3A5DC124852}" type="slidenum">
+            <a:fld id="{D877763A-1E68-4855-911F-BA3DEEA035D2}" type="slidenum">
               <a:rPr lang="en-AU" smtClean="0"/>
               <a:t>‹#›</a:t>
             </a:fld>
@@ -441,7 +340,7 @@
     </p:spTree>
     <p:extLst>
       <p:ext uri="{BB962C8B-B14F-4D97-AF65-F5344CB8AC3E}">
-        <p14:creationId xmlns:p14="http://schemas.microsoft.com/office/powerpoint/2010/main" val="446852589"/>
+        <p14:creationId xmlns:p14="http://schemas.microsoft.com/office/powerpoint/2010/main" val="3822682199"/>
       </p:ext>
     </p:extLst>
   </p:cSld>
@@ -473,7 +372,7 @@
           <p:cNvPr id="2" name="Title 1">
             <a:extLst>
               <a:ext uri="{FF2B5EF4-FFF2-40B4-BE49-F238E27FC236}">
-                <a16:creationId xmlns:a16="http://schemas.microsoft.com/office/drawing/2014/main" id="{3DBC79FE-6D81-4F03-7F85-99C987386474}"/>
+                <a16:creationId xmlns:a16="http://schemas.microsoft.com/office/drawing/2014/main" id="{1CE4FEE0-D28D-D102-3F74-D1317444C15C}"/>
               </a:ext>
             </a:extLst>
           </p:cNvPr>
@@ -502,7 +401,7 @@
           <p:cNvPr id="3" name="Vertical Text Placeholder 2">
             <a:extLst>
               <a:ext uri="{FF2B5EF4-FFF2-40B4-BE49-F238E27FC236}">
-                <a16:creationId xmlns:a16="http://schemas.microsoft.com/office/drawing/2014/main" id="{AF37A2D7-D8AC-D291-7152-21A294E345EA}"/>
+                <a16:creationId xmlns:a16="http://schemas.microsoft.com/office/drawing/2014/main" id="{0200B7B7-DB8A-293D-7ABA-F8ABE7772CCF}"/>
               </a:ext>
             </a:extLst>
           </p:cNvPr>
@@ -560,7 +459,7 @@
           <p:cNvPr id="4" name="Date Placeholder 3">
             <a:extLst>
               <a:ext uri="{FF2B5EF4-FFF2-40B4-BE49-F238E27FC236}">
-                <a16:creationId xmlns:a16="http://schemas.microsoft.com/office/drawing/2014/main" id="{BA9708F5-2C11-121A-5047-DE1D54844C4F}"/>
+                <a16:creationId xmlns:a16="http://schemas.microsoft.com/office/drawing/2014/main" id="{959CA6E2-D611-0BFE-7570-CBEAB6DBFD95}"/>
               </a:ext>
             </a:extLst>
           </p:cNvPr>
@@ -576,7 +475,7 @@
           <a:bodyPr/>
           <a:lstStyle/>
           <a:p>
-            <a:fld id="{ABA010E8-8B5B-4B0A-9592-B5FCD201839B}" type="datetimeFigureOut">
+            <a:fld id="{9E81B343-C886-4BE7-BDCF-F48F63AA8696}" type="datetimeFigureOut">
               <a:rPr lang="en-AU" smtClean="0"/>
               <a:t>13/10/2024</a:t>
             </a:fld>
@@ -589,7 +488,7 @@
           <p:cNvPr id="5" name="Footer Placeholder 4">
             <a:extLst>
               <a:ext uri="{FF2B5EF4-FFF2-40B4-BE49-F238E27FC236}">
-                <a16:creationId xmlns:a16="http://schemas.microsoft.com/office/drawing/2014/main" id="{BC2269D1-25CD-9A4E-7251-91C88A7B8AF3}"/>
+                <a16:creationId xmlns:a16="http://schemas.microsoft.com/office/drawing/2014/main" id="{A8E606CC-13D5-C376-D286-EBB5DE53ADD8}"/>
               </a:ext>
             </a:extLst>
           </p:cNvPr>
@@ -614,7 +513,7 @@
           <p:cNvPr id="6" name="Slide Number Placeholder 5">
             <a:extLst>
               <a:ext uri="{FF2B5EF4-FFF2-40B4-BE49-F238E27FC236}">
-                <a16:creationId xmlns:a16="http://schemas.microsoft.com/office/drawing/2014/main" id="{8DCE3073-A90F-3404-9590-18916C06B808}"/>
+                <a16:creationId xmlns:a16="http://schemas.microsoft.com/office/drawing/2014/main" id="{2DCD77C7-848B-141B-408E-8186AE270F76}"/>
               </a:ext>
             </a:extLst>
           </p:cNvPr>
@@ -630,7 +529,7 @@
           <a:bodyPr/>
           <a:lstStyle/>
           <a:p>
-            <a:fld id="{B4B22375-B4A0-47AA-BA6D-A3A5DC124852}" type="slidenum">
+            <a:fld id="{D877763A-1E68-4855-911F-BA3DEEA035D2}" type="slidenum">
               <a:rPr lang="en-AU" smtClean="0"/>
               <a:t>‹#›</a:t>
             </a:fld>
@@ -641,7 +540,7 @@
     </p:spTree>
     <p:extLst>
       <p:ext uri="{BB962C8B-B14F-4D97-AF65-F5344CB8AC3E}">
-        <p14:creationId xmlns:p14="http://schemas.microsoft.com/office/powerpoint/2010/main" val="2754011752"/>
+        <p14:creationId xmlns:p14="http://schemas.microsoft.com/office/powerpoint/2010/main" val="2977861218"/>
       </p:ext>
     </p:extLst>
   </p:cSld>
@@ -673,7 +572,7 @@
           <p:cNvPr id="2" name="Vertical Title 1">
             <a:extLst>
               <a:ext uri="{FF2B5EF4-FFF2-40B4-BE49-F238E27FC236}">
-                <a16:creationId xmlns:a16="http://schemas.microsoft.com/office/drawing/2014/main" id="{BB2F3B50-AF6E-3212-5AC3-17F5E7E8733F}"/>
+                <a16:creationId xmlns:a16="http://schemas.microsoft.com/office/drawing/2014/main" id="{BBDCB701-7B31-41B2-9EE8-39E1ED716DEE}"/>
               </a:ext>
             </a:extLst>
           </p:cNvPr>
@@ -707,7 +606,7 @@
           <p:cNvPr id="3" name="Vertical Text Placeholder 2">
             <a:extLst>
               <a:ext uri="{FF2B5EF4-FFF2-40B4-BE49-F238E27FC236}">
-                <a16:creationId xmlns:a16="http://schemas.microsoft.com/office/drawing/2014/main" id="{2ADA6189-644D-BC3C-EED1-9C9827FEAF98}"/>
+                <a16:creationId xmlns:a16="http://schemas.microsoft.com/office/drawing/2014/main" id="{1465C6C4-FB5C-356C-1CFA-1F5E6AF88372}"/>
               </a:ext>
             </a:extLst>
           </p:cNvPr>
@@ -770,7 +669,7 @@
           <p:cNvPr id="4" name="Date Placeholder 3">
             <a:extLst>
               <a:ext uri="{FF2B5EF4-FFF2-40B4-BE49-F238E27FC236}">
-                <a16:creationId xmlns:a16="http://schemas.microsoft.com/office/drawing/2014/main" id="{A54949B7-54B2-AC6B-5EA0-78EA12ABCBA2}"/>
+                <a16:creationId xmlns:a16="http://schemas.microsoft.com/office/drawing/2014/main" id="{5565BD01-B86D-FDDD-607B-5F1ED27A948A}"/>
               </a:ext>
             </a:extLst>
           </p:cNvPr>
@@ -786,7 +685,7 @@
           <a:bodyPr/>
           <a:lstStyle/>
           <a:p>
-            <a:fld id="{ABA010E8-8B5B-4B0A-9592-B5FCD201839B}" type="datetimeFigureOut">
+            <a:fld id="{9E81B343-C886-4BE7-BDCF-F48F63AA8696}" type="datetimeFigureOut">
               <a:rPr lang="en-AU" smtClean="0"/>
               <a:t>13/10/2024</a:t>
             </a:fld>
@@ -799,7 +698,7 @@
           <p:cNvPr id="5" name="Footer Placeholder 4">
             <a:extLst>
               <a:ext uri="{FF2B5EF4-FFF2-40B4-BE49-F238E27FC236}">
-                <a16:creationId xmlns:a16="http://schemas.microsoft.com/office/drawing/2014/main" id="{8B0777A4-09CE-ED07-A344-9D62E6FFC481}"/>
+                <a16:creationId xmlns:a16="http://schemas.microsoft.com/office/drawing/2014/main" id="{7F81550C-DFB1-A4AE-588D-41D2E697208C}"/>
               </a:ext>
             </a:extLst>
           </p:cNvPr>
@@ -824,7 +723,7 @@
           <p:cNvPr id="6" name="Slide Number Placeholder 5">
             <a:extLst>
               <a:ext uri="{FF2B5EF4-FFF2-40B4-BE49-F238E27FC236}">
-                <a16:creationId xmlns:a16="http://schemas.microsoft.com/office/drawing/2014/main" id="{1E76C790-7E9D-6BBB-B9D5-F606A4F69914}"/>
+                <a16:creationId xmlns:a16="http://schemas.microsoft.com/office/drawing/2014/main" id="{C66F8B38-2582-9754-A77E-2248D9E89252}"/>
               </a:ext>
             </a:extLst>
           </p:cNvPr>
@@ -840,7 +739,7 @@
           <a:bodyPr/>
           <a:lstStyle/>
           <a:p>
-            <a:fld id="{B4B22375-B4A0-47AA-BA6D-A3A5DC124852}" type="slidenum">
+            <a:fld id="{D877763A-1E68-4855-911F-BA3DEEA035D2}" type="slidenum">
               <a:rPr lang="en-AU" smtClean="0"/>
               <a:t>‹#›</a:t>
             </a:fld>
@@ -851,7 +750,7 @@
     </p:spTree>
     <p:extLst>
       <p:ext uri="{BB962C8B-B14F-4D97-AF65-F5344CB8AC3E}">
-        <p14:creationId xmlns:p14="http://schemas.microsoft.com/office/powerpoint/2010/main" val="3771140455"/>
+        <p14:creationId xmlns:p14="http://schemas.microsoft.com/office/powerpoint/2010/main" val="715767997"/>
       </p:ext>
     </p:extLst>
   </p:cSld>
@@ -883,7 +782,7 @@
           <p:cNvPr id="2" name="Title 1">
             <a:extLst>
               <a:ext uri="{FF2B5EF4-FFF2-40B4-BE49-F238E27FC236}">
-                <a16:creationId xmlns:a16="http://schemas.microsoft.com/office/drawing/2014/main" id="{0DF1C8F8-F5DC-B894-CAB3-17BBA6BE4E21}"/>
+                <a16:creationId xmlns:a16="http://schemas.microsoft.com/office/drawing/2014/main" id="{18D510DA-F333-085F-9818-F852B06B77BD}"/>
               </a:ext>
             </a:extLst>
           </p:cNvPr>
@@ -912,7 +811,7 @@
           <p:cNvPr id="3" name="Content Placeholder 2">
             <a:extLst>
               <a:ext uri="{FF2B5EF4-FFF2-40B4-BE49-F238E27FC236}">
-                <a16:creationId xmlns:a16="http://schemas.microsoft.com/office/drawing/2014/main" id="{1E5109D5-863E-BE1A-7C43-1B88C11BD983}"/>
+                <a16:creationId xmlns:a16="http://schemas.microsoft.com/office/drawing/2014/main" id="{2410036A-E278-AF6B-EE9A-6D34A3CE05FB}"/>
               </a:ext>
             </a:extLst>
           </p:cNvPr>
@@ -970,7 +869,7 @@
           <p:cNvPr id="4" name="Date Placeholder 3">
             <a:extLst>
               <a:ext uri="{FF2B5EF4-FFF2-40B4-BE49-F238E27FC236}">
-                <a16:creationId xmlns:a16="http://schemas.microsoft.com/office/drawing/2014/main" id="{E0212574-3455-C98F-943F-D34987966337}"/>
+                <a16:creationId xmlns:a16="http://schemas.microsoft.com/office/drawing/2014/main" id="{114CC15C-10CF-16B9-4F0A-5803D1C972B1}"/>
               </a:ext>
             </a:extLst>
           </p:cNvPr>
@@ -986,7 +885,7 @@
           <a:bodyPr/>
           <a:lstStyle/>
           <a:p>
-            <a:fld id="{ABA010E8-8B5B-4B0A-9592-B5FCD201839B}" type="datetimeFigureOut">
+            <a:fld id="{9E81B343-C886-4BE7-BDCF-F48F63AA8696}" type="datetimeFigureOut">
               <a:rPr lang="en-AU" smtClean="0"/>
               <a:t>13/10/2024</a:t>
             </a:fld>
@@ -999,7 +898,7 @@
           <p:cNvPr id="5" name="Footer Placeholder 4">
             <a:extLst>
               <a:ext uri="{FF2B5EF4-FFF2-40B4-BE49-F238E27FC236}">
-                <a16:creationId xmlns:a16="http://schemas.microsoft.com/office/drawing/2014/main" id="{AABDAF8E-22FF-CAC1-1C03-5068A1489682}"/>
+                <a16:creationId xmlns:a16="http://schemas.microsoft.com/office/drawing/2014/main" id="{47DC463F-64F8-2A66-EBFC-3DB20EF33E42}"/>
               </a:ext>
             </a:extLst>
           </p:cNvPr>
@@ -1024,7 +923,7 @@
           <p:cNvPr id="6" name="Slide Number Placeholder 5">
             <a:extLst>
               <a:ext uri="{FF2B5EF4-FFF2-40B4-BE49-F238E27FC236}">
-                <a16:creationId xmlns:a16="http://schemas.microsoft.com/office/drawing/2014/main" id="{C9F449B3-13CE-C80C-685C-C3F9FAF5DDC5}"/>
+                <a16:creationId xmlns:a16="http://schemas.microsoft.com/office/drawing/2014/main" id="{BA97B75F-307A-6A38-0568-31F216C4C7C7}"/>
               </a:ext>
             </a:extLst>
           </p:cNvPr>
@@ -1040,7 +939,7 @@
           <a:bodyPr/>
           <a:lstStyle/>
           <a:p>
-            <a:fld id="{B4B22375-B4A0-47AA-BA6D-A3A5DC124852}" type="slidenum">
+            <a:fld id="{D877763A-1E68-4855-911F-BA3DEEA035D2}" type="slidenum">
               <a:rPr lang="en-AU" smtClean="0"/>
               <a:t>‹#›</a:t>
             </a:fld>
@@ -1051,7 +950,7 @@
     </p:spTree>
     <p:extLst>
       <p:ext uri="{BB962C8B-B14F-4D97-AF65-F5344CB8AC3E}">
-        <p14:creationId xmlns:p14="http://schemas.microsoft.com/office/powerpoint/2010/main" val="785902166"/>
+        <p14:creationId xmlns:p14="http://schemas.microsoft.com/office/powerpoint/2010/main" val="877228763"/>
       </p:ext>
     </p:extLst>
   </p:cSld>
@@ -1083,7 +982,7 @@
           <p:cNvPr id="2" name="Title 1">
             <a:extLst>
               <a:ext uri="{FF2B5EF4-FFF2-40B4-BE49-F238E27FC236}">
-                <a16:creationId xmlns:a16="http://schemas.microsoft.com/office/drawing/2014/main" id="{56A16304-7F91-E927-AA2A-859D87735324}"/>
+                <a16:creationId xmlns:a16="http://schemas.microsoft.com/office/drawing/2014/main" id="{B124EE91-8576-C1B5-0333-413B7ED1E49D}"/>
               </a:ext>
             </a:extLst>
           </p:cNvPr>
@@ -1121,7 +1020,7 @@
           <p:cNvPr id="3" name="Text Placeholder 2">
             <a:extLst>
               <a:ext uri="{FF2B5EF4-FFF2-40B4-BE49-F238E27FC236}">
-                <a16:creationId xmlns:a16="http://schemas.microsoft.com/office/drawing/2014/main" id="{03C603C7-650A-CF9A-6DD0-725F7F864340}"/>
+                <a16:creationId xmlns:a16="http://schemas.microsoft.com/office/drawing/2014/main" id="{6461ACB7-47FA-D2D7-010B-1E1056DA7AA1}"/>
               </a:ext>
             </a:extLst>
           </p:cNvPr>
@@ -1246,7 +1145,7 @@
           <p:cNvPr id="4" name="Date Placeholder 3">
             <a:extLst>
               <a:ext uri="{FF2B5EF4-FFF2-40B4-BE49-F238E27FC236}">
-                <a16:creationId xmlns:a16="http://schemas.microsoft.com/office/drawing/2014/main" id="{9D65E61A-41D2-FF08-B2C8-5811E527824D}"/>
+                <a16:creationId xmlns:a16="http://schemas.microsoft.com/office/drawing/2014/main" id="{9AF02E55-65CC-16B4-5B83-5AEE0E4881E7}"/>
               </a:ext>
             </a:extLst>
           </p:cNvPr>
@@ -1262,7 +1161,7 @@
           <a:bodyPr/>
           <a:lstStyle/>
           <a:p>
-            <a:fld id="{ABA010E8-8B5B-4B0A-9592-B5FCD201839B}" type="datetimeFigureOut">
+            <a:fld id="{9E81B343-C886-4BE7-BDCF-F48F63AA8696}" type="datetimeFigureOut">
               <a:rPr lang="en-AU" smtClean="0"/>
               <a:t>13/10/2024</a:t>
             </a:fld>
@@ -1275,7 +1174,7 @@
           <p:cNvPr id="5" name="Footer Placeholder 4">
             <a:extLst>
               <a:ext uri="{FF2B5EF4-FFF2-40B4-BE49-F238E27FC236}">
-                <a16:creationId xmlns:a16="http://schemas.microsoft.com/office/drawing/2014/main" id="{64861750-1DF9-1135-FE51-1AE7524581A6}"/>
+                <a16:creationId xmlns:a16="http://schemas.microsoft.com/office/drawing/2014/main" id="{7C73AC99-9E9D-F23C-61FC-BBD7529F46C1}"/>
               </a:ext>
             </a:extLst>
           </p:cNvPr>
@@ -1300,7 +1199,7 @@
           <p:cNvPr id="6" name="Slide Number Placeholder 5">
             <a:extLst>
               <a:ext uri="{FF2B5EF4-FFF2-40B4-BE49-F238E27FC236}">
-                <a16:creationId xmlns:a16="http://schemas.microsoft.com/office/drawing/2014/main" id="{52BAD49E-BA95-AAC8-2666-43D42E8EE961}"/>
+                <a16:creationId xmlns:a16="http://schemas.microsoft.com/office/drawing/2014/main" id="{12046384-F27F-1456-C0BE-D6ED31387455}"/>
               </a:ext>
             </a:extLst>
           </p:cNvPr>
@@ -1316,7 +1215,7 @@
           <a:bodyPr/>
           <a:lstStyle/>
           <a:p>
-            <a:fld id="{B4B22375-B4A0-47AA-BA6D-A3A5DC124852}" type="slidenum">
+            <a:fld id="{D877763A-1E68-4855-911F-BA3DEEA035D2}" type="slidenum">
               <a:rPr lang="en-AU" smtClean="0"/>
               <a:t>‹#›</a:t>
             </a:fld>
@@ -1327,7 +1226,7 @@
     </p:spTree>
     <p:extLst>
       <p:ext uri="{BB962C8B-B14F-4D97-AF65-F5344CB8AC3E}">
-        <p14:creationId xmlns:p14="http://schemas.microsoft.com/office/powerpoint/2010/main" val="2798375854"/>
+        <p14:creationId xmlns:p14="http://schemas.microsoft.com/office/powerpoint/2010/main" val="3737446310"/>
       </p:ext>
     </p:extLst>
   </p:cSld>
@@ -1359,7 +1258,7 @@
           <p:cNvPr id="2" name="Title 1">
             <a:extLst>
               <a:ext uri="{FF2B5EF4-FFF2-40B4-BE49-F238E27FC236}">
-                <a16:creationId xmlns:a16="http://schemas.microsoft.com/office/drawing/2014/main" id="{6C428E06-4298-65AD-77DB-5357AA10E34E}"/>
+                <a16:creationId xmlns:a16="http://schemas.microsoft.com/office/drawing/2014/main" id="{41C5D686-1988-E79A-2265-1628398A5A0F}"/>
               </a:ext>
             </a:extLst>
           </p:cNvPr>
@@ -1388,7 +1287,7 @@
           <p:cNvPr id="3" name="Content Placeholder 2">
             <a:extLst>
               <a:ext uri="{FF2B5EF4-FFF2-40B4-BE49-F238E27FC236}">
-                <a16:creationId xmlns:a16="http://schemas.microsoft.com/office/drawing/2014/main" id="{4C4042B1-046E-334F-2E24-0BFEF277154A}"/>
+                <a16:creationId xmlns:a16="http://schemas.microsoft.com/office/drawing/2014/main" id="{7133F52B-DE95-A0FC-F82E-C9A4EB26DFA0}"/>
               </a:ext>
             </a:extLst>
           </p:cNvPr>
@@ -1451,7 +1350,7 @@
           <p:cNvPr id="4" name="Content Placeholder 3">
             <a:extLst>
               <a:ext uri="{FF2B5EF4-FFF2-40B4-BE49-F238E27FC236}">
-                <a16:creationId xmlns:a16="http://schemas.microsoft.com/office/drawing/2014/main" id="{67B9DD26-BA47-FF78-40F1-301FAB366393}"/>
+                <a16:creationId xmlns:a16="http://schemas.microsoft.com/office/drawing/2014/main" id="{3B7E756A-DE7F-D329-D818-256F95802B86}"/>
               </a:ext>
             </a:extLst>
           </p:cNvPr>
@@ -1514,7 +1413,7 @@
           <p:cNvPr id="5" name="Date Placeholder 4">
             <a:extLst>
               <a:ext uri="{FF2B5EF4-FFF2-40B4-BE49-F238E27FC236}">
-                <a16:creationId xmlns:a16="http://schemas.microsoft.com/office/drawing/2014/main" id="{BAD41590-A9B3-4AA3-A4CD-E51C00A73DEB}"/>
+                <a16:creationId xmlns:a16="http://schemas.microsoft.com/office/drawing/2014/main" id="{7C5B3A98-7856-E3A7-2386-5C99A1BFF551}"/>
               </a:ext>
             </a:extLst>
           </p:cNvPr>
@@ -1530,7 +1429,7 @@
           <a:bodyPr/>
           <a:lstStyle/>
           <a:p>
-            <a:fld id="{ABA010E8-8B5B-4B0A-9592-B5FCD201839B}" type="datetimeFigureOut">
+            <a:fld id="{9E81B343-C886-4BE7-BDCF-F48F63AA8696}" type="datetimeFigureOut">
               <a:rPr lang="en-AU" smtClean="0"/>
               <a:t>13/10/2024</a:t>
             </a:fld>
@@ -1543,7 +1442,7 @@
           <p:cNvPr id="6" name="Footer Placeholder 5">
             <a:extLst>
               <a:ext uri="{FF2B5EF4-FFF2-40B4-BE49-F238E27FC236}">
-                <a16:creationId xmlns:a16="http://schemas.microsoft.com/office/drawing/2014/main" id="{6D8DA7D0-D401-84E0-7B7B-612599975BB1}"/>
+                <a16:creationId xmlns:a16="http://schemas.microsoft.com/office/drawing/2014/main" id="{6C8180C9-D385-BE24-080F-9FB597F834A8}"/>
               </a:ext>
             </a:extLst>
           </p:cNvPr>
@@ -1568,7 +1467,7 @@
           <p:cNvPr id="7" name="Slide Number Placeholder 6">
             <a:extLst>
               <a:ext uri="{FF2B5EF4-FFF2-40B4-BE49-F238E27FC236}">
-                <a16:creationId xmlns:a16="http://schemas.microsoft.com/office/drawing/2014/main" id="{B4F8F2FF-AB0A-38BA-0FCC-25C3A24BF31E}"/>
+                <a16:creationId xmlns:a16="http://schemas.microsoft.com/office/drawing/2014/main" id="{ECEDC412-70E7-8D38-48D8-3350AAB6526D}"/>
               </a:ext>
             </a:extLst>
           </p:cNvPr>
@@ -1584,7 +1483,7 @@
           <a:bodyPr/>
           <a:lstStyle/>
           <a:p>
-            <a:fld id="{B4B22375-B4A0-47AA-BA6D-A3A5DC124852}" type="slidenum">
+            <a:fld id="{D877763A-1E68-4855-911F-BA3DEEA035D2}" type="slidenum">
               <a:rPr lang="en-AU" smtClean="0"/>
               <a:t>‹#›</a:t>
             </a:fld>
@@ -1595,7 +1494,7 @@
     </p:spTree>
     <p:extLst>
       <p:ext uri="{BB962C8B-B14F-4D97-AF65-F5344CB8AC3E}">
-        <p14:creationId xmlns:p14="http://schemas.microsoft.com/office/powerpoint/2010/main" val="984800671"/>
+        <p14:creationId xmlns:p14="http://schemas.microsoft.com/office/powerpoint/2010/main" val="1315321143"/>
       </p:ext>
     </p:extLst>
   </p:cSld>
@@ -1627,7 +1526,7 @@
           <p:cNvPr id="2" name="Title 1">
             <a:extLst>
               <a:ext uri="{FF2B5EF4-FFF2-40B4-BE49-F238E27FC236}">
-                <a16:creationId xmlns:a16="http://schemas.microsoft.com/office/drawing/2014/main" id="{87711952-180E-8B74-EDF5-C23FD4F75D02}"/>
+                <a16:creationId xmlns:a16="http://schemas.microsoft.com/office/drawing/2014/main" id="{AADFA5B9-CBE4-0D83-CF6E-9FE619134BAB}"/>
               </a:ext>
             </a:extLst>
           </p:cNvPr>
@@ -1661,7 +1560,7 @@
           <p:cNvPr id="3" name="Text Placeholder 2">
             <a:extLst>
               <a:ext uri="{FF2B5EF4-FFF2-40B4-BE49-F238E27FC236}">
-                <a16:creationId xmlns:a16="http://schemas.microsoft.com/office/drawing/2014/main" id="{193BBAB8-949E-49A3-AF0D-01F1D6C6C44E}"/>
+                <a16:creationId xmlns:a16="http://schemas.microsoft.com/office/drawing/2014/main" id="{EE02452E-0053-C9E7-C0BC-D9C7B3E305BD}"/>
               </a:ext>
             </a:extLst>
           </p:cNvPr>
@@ -1732,7 +1631,7 @@
           <p:cNvPr id="4" name="Content Placeholder 3">
             <a:extLst>
               <a:ext uri="{FF2B5EF4-FFF2-40B4-BE49-F238E27FC236}">
-                <a16:creationId xmlns:a16="http://schemas.microsoft.com/office/drawing/2014/main" id="{99032562-5360-C21C-0B96-F1B2798978BC}"/>
+                <a16:creationId xmlns:a16="http://schemas.microsoft.com/office/drawing/2014/main" id="{92B80BC6-B820-2FD5-80DD-69173ECBBA2D}"/>
               </a:ext>
             </a:extLst>
           </p:cNvPr>
@@ -1795,7 +1694,7 @@
           <p:cNvPr id="5" name="Text Placeholder 4">
             <a:extLst>
               <a:ext uri="{FF2B5EF4-FFF2-40B4-BE49-F238E27FC236}">
-                <a16:creationId xmlns:a16="http://schemas.microsoft.com/office/drawing/2014/main" id="{79A8D549-81D2-AB20-AD47-ECDAF6C69CC8}"/>
+                <a16:creationId xmlns:a16="http://schemas.microsoft.com/office/drawing/2014/main" id="{E0E7CC76-D1B7-2E58-50DC-2928FF0FB259}"/>
               </a:ext>
             </a:extLst>
           </p:cNvPr>
@@ -1866,7 +1765,7 @@
           <p:cNvPr id="6" name="Content Placeholder 5">
             <a:extLst>
               <a:ext uri="{FF2B5EF4-FFF2-40B4-BE49-F238E27FC236}">
-                <a16:creationId xmlns:a16="http://schemas.microsoft.com/office/drawing/2014/main" id="{E20DE574-9B8F-B10D-8AD2-EE3562D7A9DB}"/>
+                <a16:creationId xmlns:a16="http://schemas.microsoft.com/office/drawing/2014/main" id="{F530C830-347E-835C-05A7-954B27BAFCFE}"/>
               </a:ext>
             </a:extLst>
           </p:cNvPr>
@@ -1929,7 +1828,7 @@
           <p:cNvPr id="7" name="Date Placeholder 6">
             <a:extLst>
               <a:ext uri="{FF2B5EF4-FFF2-40B4-BE49-F238E27FC236}">
-                <a16:creationId xmlns:a16="http://schemas.microsoft.com/office/drawing/2014/main" id="{D7FEC922-AC4F-A6AF-DB0F-AA2CF697B063}"/>
+                <a16:creationId xmlns:a16="http://schemas.microsoft.com/office/drawing/2014/main" id="{9795EA9D-1C38-0764-3E3A-1EAE3C0193F0}"/>
               </a:ext>
             </a:extLst>
           </p:cNvPr>
@@ -1945,7 +1844,7 @@
           <a:bodyPr/>
           <a:lstStyle/>
           <a:p>
-            <a:fld id="{ABA010E8-8B5B-4B0A-9592-B5FCD201839B}" type="datetimeFigureOut">
+            <a:fld id="{9E81B343-C886-4BE7-BDCF-F48F63AA8696}" type="datetimeFigureOut">
               <a:rPr lang="en-AU" smtClean="0"/>
               <a:t>13/10/2024</a:t>
             </a:fld>
@@ -1958,7 +1857,7 @@
           <p:cNvPr id="8" name="Footer Placeholder 7">
             <a:extLst>
               <a:ext uri="{FF2B5EF4-FFF2-40B4-BE49-F238E27FC236}">
-                <a16:creationId xmlns:a16="http://schemas.microsoft.com/office/drawing/2014/main" id="{280700E8-B800-A809-6136-9AF9217619BE}"/>
+                <a16:creationId xmlns:a16="http://schemas.microsoft.com/office/drawing/2014/main" id="{0AB6FF4D-3A0E-494D-0319-3B7D67DFFB00}"/>
               </a:ext>
             </a:extLst>
           </p:cNvPr>
@@ -1983,7 +1882,7 @@
           <p:cNvPr id="9" name="Slide Number Placeholder 8">
             <a:extLst>
               <a:ext uri="{FF2B5EF4-FFF2-40B4-BE49-F238E27FC236}">
-                <a16:creationId xmlns:a16="http://schemas.microsoft.com/office/drawing/2014/main" id="{422DD903-64B0-7B60-7915-4EB696F83D41}"/>
+                <a16:creationId xmlns:a16="http://schemas.microsoft.com/office/drawing/2014/main" id="{FDE36FA7-253C-2B5E-F4FA-58B64C7F29B5}"/>
               </a:ext>
             </a:extLst>
           </p:cNvPr>
@@ -1999,7 +1898,7 @@
           <a:bodyPr/>
           <a:lstStyle/>
           <a:p>
-            <a:fld id="{B4B22375-B4A0-47AA-BA6D-A3A5DC124852}" type="slidenum">
+            <a:fld id="{D877763A-1E68-4855-911F-BA3DEEA035D2}" type="slidenum">
               <a:rPr lang="en-AU" smtClean="0"/>
               <a:t>‹#›</a:t>
             </a:fld>
@@ -2010,7 +1909,7 @@
     </p:spTree>
     <p:extLst>
       <p:ext uri="{BB962C8B-B14F-4D97-AF65-F5344CB8AC3E}">
-        <p14:creationId xmlns:p14="http://schemas.microsoft.com/office/powerpoint/2010/main" val="14014309"/>
+        <p14:creationId xmlns:p14="http://schemas.microsoft.com/office/powerpoint/2010/main" val="2689532625"/>
       </p:ext>
     </p:extLst>
   </p:cSld>
@@ -2042,7 +1941,7 @@
           <p:cNvPr id="2" name="Title 1">
             <a:extLst>
               <a:ext uri="{FF2B5EF4-FFF2-40B4-BE49-F238E27FC236}">
-                <a16:creationId xmlns:a16="http://schemas.microsoft.com/office/drawing/2014/main" id="{8C626249-8F34-B959-9264-4A00B73767D8}"/>
+                <a16:creationId xmlns:a16="http://schemas.microsoft.com/office/drawing/2014/main" id="{46CB4B92-7113-119E-FDA9-92B4573937B0}"/>
               </a:ext>
             </a:extLst>
           </p:cNvPr>
@@ -2071,7 +1970,7 @@
           <p:cNvPr id="3" name="Date Placeholder 2">
             <a:extLst>
               <a:ext uri="{FF2B5EF4-FFF2-40B4-BE49-F238E27FC236}">
-                <a16:creationId xmlns:a16="http://schemas.microsoft.com/office/drawing/2014/main" id="{6DEB81A1-FA9F-D40A-A412-D103D57B6B7C}"/>
+                <a16:creationId xmlns:a16="http://schemas.microsoft.com/office/drawing/2014/main" id="{B6BA5E42-CBEC-6BCE-D940-74CDE2DFD617}"/>
               </a:ext>
             </a:extLst>
           </p:cNvPr>
@@ -2087,7 +1986,7 @@
           <a:bodyPr/>
           <a:lstStyle/>
           <a:p>
-            <a:fld id="{ABA010E8-8B5B-4B0A-9592-B5FCD201839B}" type="datetimeFigureOut">
+            <a:fld id="{9E81B343-C886-4BE7-BDCF-F48F63AA8696}" type="datetimeFigureOut">
               <a:rPr lang="en-AU" smtClean="0"/>
               <a:t>13/10/2024</a:t>
             </a:fld>
@@ -2100,7 +1999,7 @@
           <p:cNvPr id="4" name="Footer Placeholder 3">
             <a:extLst>
               <a:ext uri="{FF2B5EF4-FFF2-40B4-BE49-F238E27FC236}">
-                <a16:creationId xmlns:a16="http://schemas.microsoft.com/office/drawing/2014/main" id="{4C2B8ED4-2B80-B5E6-8387-56255E8D021A}"/>
+                <a16:creationId xmlns:a16="http://schemas.microsoft.com/office/drawing/2014/main" id="{490E20FE-CEC2-DF29-A17C-87CD56A0BC26}"/>
               </a:ext>
             </a:extLst>
           </p:cNvPr>
@@ -2125,7 +2024,7 @@
           <p:cNvPr id="5" name="Slide Number Placeholder 4">
             <a:extLst>
               <a:ext uri="{FF2B5EF4-FFF2-40B4-BE49-F238E27FC236}">
-                <a16:creationId xmlns:a16="http://schemas.microsoft.com/office/drawing/2014/main" id="{81E8DFBA-71DB-410B-6EEC-5A540526B4BA}"/>
+                <a16:creationId xmlns:a16="http://schemas.microsoft.com/office/drawing/2014/main" id="{D13DDC41-B226-291E-6575-20B99E55E895}"/>
               </a:ext>
             </a:extLst>
           </p:cNvPr>
@@ -2141,7 +2040,7 @@
           <a:bodyPr/>
           <a:lstStyle/>
           <a:p>
-            <a:fld id="{B4B22375-B4A0-47AA-BA6D-A3A5DC124852}" type="slidenum">
+            <a:fld id="{D877763A-1E68-4855-911F-BA3DEEA035D2}" type="slidenum">
               <a:rPr lang="en-AU" smtClean="0"/>
               <a:t>‹#›</a:t>
             </a:fld>
@@ -2152,7 +2051,7 @@
     </p:spTree>
     <p:extLst>
       <p:ext uri="{BB962C8B-B14F-4D97-AF65-F5344CB8AC3E}">
-        <p14:creationId xmlns:p14="http://schemas.microsoft.com/office/powerpoint/2010/main" val="3301982961"/>
+        <p14:creationId xmlns:p14="http://schemas.microsoft.com/office/powerpoint/2010/main" val="1918306680"/>
       </p:ext>
     </p:extLst>
   </p:cSld>
@@ -2184,7 +2083,7 @@
           <p:cNvPr id="2" name="Date Placeholder 1">
             <a:extLst>
               <a:ext uri="{FF2B5EF4-FFF2-40B4-BE49-F238E27FC236}">
-                <a16:creationId xmlns:a16="http://schemas.microsoft.com/office/drawing/2014/main" id="{9767DFBD-FF1B-00B0-A7D0-BD89ACD83E8A}"/>
+                <a16:creationId xmlns:a16="http://schemas.microsoft.com/office/drawing/2014/main" id="{29442BFE-594F-DD97-921D-DB2867C26814}"/>
               </a:ext>
             </a:extLst>
           </p:cNvPr>
@@ -2200,7 +2099,7 @@
           <a:bodyPr/>
           <a:lstStyle/>
           <a:p>
-            <a:fld id="{ABA010E8-8B5B-4B0A-9592-B5FCD201839B}" type="datetimeFigureOut">
+            <a:fld id="{9E81B343-C886-4BE7-BDCF-F48F63AA8696}" type="datetimeFigureOut">
               <a:rPr lang="en-AU" smtClean="0"/>
               <a:t>13/10/2024</a:t>
             </a:fld>
@@ -2213,7 +2112,7 @@
           <p:cNvPr id="3" name="Footer Placeholder 2">
             <a:extLst>
               <a:ext uri="{FF2B5EF4-FFF2-40B4-BE49-F238E27FC236}">
-                <a16:creationId xmlns:a16="http://schemas.microsoft.com/office/drawing/2014/main" id="{F42A26E1-EA46-7F1C-0329-1FD2A9CD1D57}"/>
+                <a16:creationId xmlns:a16="http://schemas.microsoft.com/office/drawing/2014/main" id="{D441C6D0-E106-A3C6-52F3-D0B5C6E0D9BC}"/>
               </a:ext>
             </a:extLst>
           </p:cNvPr>
@@ -2238,7 +2137,7 @@
           <p:cNvPr id="4" name="Slide Number Placeholder 3">
             <a:extLst>
               <a:ext uri="{FF2B5EF4-FFF2-40B4-BE49-F238E27FC236}">
-                <a16:creationId xmlns:a16="http://schemas.microsoft.com/office/drawing/2014/main" id="{4164DA99-DA0A-E3CD-CAF5-EFF81F6771B9}"/>
+                <a16:creationId xmlns:a16="http://schemas.microsoft.com/office/drawing/2014/main" id="{62165693-77E4-A3FC-E43C-454283CCA7E8}"/>
               </a:ext>
             </a:extLst>
           </p:cNvPr>
@@ -2254,7 +2153,7 @@
           <a:bodyPr/>
           <a:lstStyle/>
           <a:p>
-            <a:fld id="{B4B22375-B4A0-47AA-BA6D-A3A5DC124852}" type="slidenum">
+            <a:fld id="{D877763A-1E68-4855-911F-BA3DEEA035D2}" type="slidenum">
               <a:rPr lang="en-AU" smtClean="0"/>
               <a:t>‹#›</a:t>
             </a:fld>
@@ -2265,7 +2164,7 @@
     </p:spTree>
     <p:extLst>
       <p:ext uri="{BB962C8B-B14F-4D97-AF65-F5344CB8AC3E}">
-        <p14:creationId xmlns:p14="http://schemas.microsoft.com/office/powerpoint/2010/main" val="2705473257"/>
+        <p14:creationId xmlns:p14="http://schemas.microsoft.com/office/powerpoint/2010/main" val="2682122660"/>
       </p:ext>
     </p:extLst>
   </p:cSld>
@@ -2297,7 +2196,7 @@
           <p:cNvPr id="2" name="Title 1">
             <a:extLst>
               <a:ext uri="{FF2B5EF4-FFF2-40B4-BE49-F238E27FC236}">
-                <a16:creationId xmlns:a16="http://schemas.microsoft.com/office/drawing/2014/main" id="{14196152-6F8A-C8C8-F085-012C9347ABE2}"/>
+                <a16:creationId xmlns:a16="http://schemas.microsoft.com/office/drawing/2014/main" id="{7F101368-B73E-6ACF-5FDA-77F04A314986}"/>
               </a:ext>
             </a:extLst>
           </p:cNvPr>
@@ -2335,7 +2234,7 @@
           <p:cNvPr id="3" name="Content Placeholder 2">
             <a:extLst>
               <a:ext uri="{FF2B5EF4-FFF2-40B4-BE49-F238E27FC236}">
-                <a16:creationId xmlns:a16="http://schemas.microsoft.com/office/drawing/2014/main" id="{6CAAD947-1F8D-A188-0E51-0CEFCC3F426A}"/>
+                <a16:creationId xmlns:a16="http://schemas.microsoft.com/office/drawing/2014/main" id="{0F092339-44B0-DC2D-B88C-8678E3924B6A}"/>
               </a:ext>
             </a:extLst>
           </p:cNvPr>
@@ -2426,7 +2325,7 @@
           <p:cNvPr id="4" name="Text Placeholder 3">
             <a:extLst>
               <a:ext uri="{FF2B5EF4-FFF2-40B4-BE49-F238E27FC236}">
-                <a16:creationId xmlns:a16="http://schemas.microsoft.com/office/drawing/2014/main" id="{D672F10E-30DC-B8DB-D34B-8032304FB7D8}"/>
+                <a16:creationId xmlns:a16="http://schemas.microsoft.com/office/drawing/2014/main" id="{C6AE5324-13D6-FC4E-9A29-D8BFE8A292CF}"/>
               </a:ext>
             </a:extLst>
           </p:cNvPr>
@@ -2497,7 +2396,7 @@
           <p:cNvPr id="5" name="Date Placeholder 4">
             <a:extLst>
               <a:ext uri="{FF2B5EF4-FFF2-40B4-BE49-F238E27FC236}">
-                <a16:creationId xmlns:a16="http://schemas.microsoft.com/office/drawing/2014/main" id="{2BB299E3-AE71-E31F-FABE-B2E1928CECAB}"/>
+                <a16:creationId xmlns:a16="http://schemas.microsoft.com/office/drawing/2014/main" id="{81FC0E33-EE61-4840-651B-84759A8D69BC}"/>
               </a:ext>
             </a:extLst>
           </p:cNvPr>
@@ -2513,7 +2412,7 @@
           <a:bodyPr/>
           <a:lstStyle/>
           <a:p>
-            <a:fld id="{ABA010E8-8B5B-4B0A-9592-B5FCD201839B}" type="datetimeFigureOut">
+            <a:fld id="{9E81B343-C886-4BE7-BDCF-F48F63AA8696}" type="datetimeFigureOut">
               <a:rPr lang="en-AU" smtClean="0"/>
               <a:t>13/10/2024</a:t>
             </a:fld>
@@ -2526,7 +2425,7 @@
           <p:cNvPr id="6" name="Footer Placeholder 5">
             <a:extLst>
               <a:ext uri="{FF2B5EF4-FFF2-40B4-BE49-F238E27FC236}">
-                <a16:creationId xmlns:a16="http://schemas.microsoft.com/office/drawing/2014/main" id="{00F5FA54-0A64-2CA5-AE38-5FFC7F13BBAE}"/>
+                <a16:creationId xmlns:a16="http://schemas.microsoft.com/office/drawing/2014/main" id="{60B0F6F7-AAEF-6D2F-6B8A-901CD2DF6EAA}"/>
               </a:ext>
             </a:extLst>
           </p:cNvPr>
@@ -2551,7 +2450,7 @@
           <p:cNvPr id="7" name="Slide Number Placeholder 6">
             <a:extLst>
               <a:ext uri="{FF2B5EF4-FFF2-40B4-BE49-F238E27FC236}">
-                <a16:creationId xmlns:a16="http://schemas.microsoft.com/office/drawing/2014/main" id="{3CA9C799-0636-904B-8FEB-14B6B47AF03B}"/>
+                <a16:creationId xmlns:a16="http://schemas.microsoft.com/office/drawing/2014/main" id="{3356ACC9-AA3E-DDE4-17EC-85AC1F5AFA45}"/>
               </a:ext>
             </a:extLst>
           </p:cNvPr>
@@ -2567,7 +2466,7 @@
           <a:bodyPr/>
           <a:lstStyle/>
           <a:p>
-            <a:fld id="{B4B22375-B4A0-47AA-BA6D-A3A5DC124852}" type="slidenum">
+            <a:fld id="{D877763A-1E68-4855-911F-BA3DEEA035D2}" type="slidenum">
               <a:rPr lang="en-AU" smtClean="0"/>
               <a:t>‹#›</a:t>
             </a:fld>
@@ -2578,7 +2477,7 @@
     </p:spTree>
     <p:extLst>
       <p:ext uri="{BB962C8B-B14F-4D97-AF65-F5344CB8AC3E}">
-        <p14:creationId xmlns:p14="http://schemas.microsoft.com/office/powerpoint/2010/main" val="1207833700"/>
+        <p14:creationId xmlns:p14="http://schemas.microsoft.com/office/powerpoint/2010/main" val="2359097608"/>
       </p:ext>
     </p:extLst>
   </p:cSld>
@@ -2610,7 +2509,7 @@
           <p:cNvPr id="2" name="Title 1">
             <a:extLst>
               <a:ext uri="{FF2B5EF4-FFF2-40B4-BE49-F238E27FC236}">
-                <a16:creationId xmlns:a16="http://schemas.microsoft.com/office/drawing/2014/main" id="{33C80B8F-B6E0-BB80-AF95-C5C3F974C443}"/>
+                <a16:creationId xmlns:a16="http://schemas.microsoft.com/office/drawing/2014/main" id="{CD841343-A2F7-6070-58BF-3A88514FB04A}"/>
               </a:ext>
             </a:extLst>
           </p:cNvPr>
@@ -2648,7 +2547,7 @@
           <p:cNvPr id="3" name="Picture Placeholder 2">
             <a:extLst>
               <a:ext uri="{FF2B5EF4-FFF2-40B4-BE49-F238E27FC236}">
-                <a16:creationId xmlns:a16="http://schemas.microsoft.com/office/drawing/2014/main" id="{0D368D0D-20FF-7613-9F14-D42C8CAFE4DF}"/>
+                <a16:creationId xmlns:a16="http://schemas.microsoft.com/office/drawing/2014/main" id="{8ABCB698-F668-A4A0-6135-0C1A3C85CA69}"/>
               </a:ext>
             </a:extLst>
           </p:cNvPr>
@@ -2715,7 +2614,7 @@
           <p:cNvPr id="4" name="Text Placeholder 3">
             <a:extLst>
               <a:ext uri="{FF2B5EF4-FFF2-40B4-BE49-F238E27FC236}">
-                <a16:creationId xmlns:a16="http://schemas.microsoft.com/office/drawing/2014/main" id="{D0765806-3BB5-4D32-EDA0-3E062EC3D0DF}"/>
+                <a16:creationId xmlns:a16="http://schemas.microsoft.com/office/drawing/2014/main" id="{CEB1F330-8EF0-8243-F810-540924366FC9}"/>
               </a:ext>
             </a:extLst>
           </p:cNvPr>
@@ -2786,7 +2685,7 @@
           <p:cNvPr id="5" name="Date Placeholder 4">
             <a:extLst>
               <a:ext uri="{FF2B5EF4-FFF2-40B4-BE49-F238E27FC236}">
-                <a16:creationId xmlns:a16="http://schemas.microsoft.com/office/drawing/2014/main" id="{7206C37A-AC8E-16D3-BB89-BDDC0B83EE75}"/>
+                <a16:creationId xmlns:a16="http://schemas.microsoft.com/office/drawing/2014/main" id="{EDB576F8-E903-0DCD-C6F3-67FFAA019938}"/>
               </a:ext>
             </a:extLst>
           </p:cNvPr>
@@ -2802,7 +2701,7 @@
           <a:bodyPr/>
           <a:lstStyle/>
           <a:p>
-            <a:fld id="{ABA010E8-8B5B-4B0A-9592-B5FCD201839B}" type="datetimeFigureOut">
+            <a:fld id="{9E81B343-C886-4BE7-BDCF-F48F63AA8696}" type="datetimeFigureOut">
               <a:rPr lang="en-AU" smtClean="0"/>
               <a:t>13/10/2024</a:t>
             </a:fld>
@@ -2815,7 +2714,7 @@
           <p:cNvPr id="6" name="Footer Placeholder 5">
             <a:extLst>
               <a:ext uri="{FF2B5EF4-FFF2-40B4-BE49-F238E27FC236}">
-                <a16:creationId xmlns:a16="http://schemas.microsoft.com/office/drawing/2014/main" id="{539BF504-969C-A0A2-62E9-A952674FF82F}"/>
+                <a16:creationId xmlns:a16="http://schemas.microsoft.com/office/drawing/2014/main" id="{CA9B19F8-CCF5-DDAB-F6FC-A958B3A13E61}"/>
               </a:ext>
             </a:extLst>
           </p:cNvPr>
@@ -2840,7 +2739,7 @@
           <p:cNvPr id="7" name="Slide Number Placeholder 6">
             <a:extLst>
               <a:ext uri="{FF2B5EF4-FFF2-40B4-BE49-F238E27FC236}">
-                <a16:creationId xmlns:a16="http://schemas.microsoft.com/office/drawing/2014/main" id="{D442E7F4-ABBC-4EEB-4687-87BEE276FCDC}"/>
+                <a16:creationId xmlns:a16="http://schemas.microsoft.com/office/drawing/2014/main" id="{5E5B94FD-53E9-920A-6C29-13B8919FFE5B}"/>
               </a:ext>
             </a:extLst>
           </p:cNvPr>
@@ -2856,7 +2755,7 @@
           <a:bodyPr/>
           <a:lstStyle/>
           <a:p>
-            <a:fld id="{B4B22375-B4A0-47AA-BA6D-A3A5DC124852}" type="slidenum">
+            <a:fld id="{D877763A-1E68-4855-911F-BA3DEEA035D2}" type="slidenum">
               <a:rPr lang="en-AU" smtClean="0"/>
               <a:t>‹#›</a:t>
             </a:fld>
@@ -2867,7 +2766,7 @@
     </p:spTree>
     <p:extLst>
       <p:ext uri="{BB962C8B-B14F-4D97-AF65-F5344CB8AC3E}">
-        <p14:creationId xmlns:p14="http://schemas.microsoft.com/office/powerpoint/2010/main" val="2265028772"/>
+        <p14:creationId xmlns:p14="http://schemas.microsoft.com/office/powerpoint/2010/main" val="2960319018"/>
       </p:ext>
     </p:extLst>
   </p:cSld>
@@ -2904,7 +2803,7 @@
           <p:cNvPr id="2" name="Title Placeholder 1">
             <a:extLst>
               <a:ext uri="{FF2B5EF4-FFF2-40B4-BE49-F238E27FC236}">
-                <a16:creationId xmlns:a16="http://schemas.microsoft.com/office/drawing/2014/main" id="{6B6AF962-3874-2EF0-27E0-98C49E116003}"/>
+                <a16:creationId xmlns:a16="http://schemas.microsoft.com/office/drawing/2014/main" id="{75096AB6-B78D-653A-5816-8F6E9FD874C9}"/>
               </a:ext>
             </a:extLst>
           </p:cNvPr>
@@ -2943,7 +2842,7 @@
           <p:cNvPr id="3" name="Text Placeholder 2">
             <a:extLst>
               <a:ext uri="{FF2B5EF4-FFF2-40B4-BE49-F238E27FC236}">
-                <a16:creationId xmlns:a16="http://schemas.microsoft.com/office/drawing/2014/main" id="{A21B23A8-F336-9872-50CD-FFE6DF6CBBDC}"/>
+                <a16:creationId xmlns:a16="http://schemas.microsoft.com/office/drawing/2014/main" id="{2B77E8A6-527F-2621-06EE-50A98226B786}"/>
               </a:ext>
             </a:extLst>
           </p:cNvPr>
@@ -3011,7 +2910,7 @@
           <p:cNvPr id="4" name="Date Placeholder 3">
             <a:extLst>
               <a:ext uri="{FF2B5EF4-FFF2-40B4-BE49-F238E27FC236}">
-                <a16:creationId xmlns:a16="http://schemas.microsoft.com/office/drawing/2014/main" id="{B93D95DC-EE17-18EC-AAB1-33F75D6967BD}"/>
+                <a16:creationId xmlns:a16="http://schemas.microsoft.com/office/drawing/2014/main" id="{7B1A7CEB-05EF-785D-6B97-496B2CF4D4D1}"/>
               </a:ext>
             </a:extLst>
           </p:cNvPr>
@@ -3045,7 +2944,7 @@
             </a:lvl1pPr>
           </a:lstStyle>
           <a:p>
-            <a:fld id="{ABA010E8-8B5B-4B0A-9592-B5FCD201839B}" type="datetimeFigureOut">
+            <a:fld id="{9E81B343-C886-4BE7-BDCF-F48F63AA8696}" type="datetimeFigureOut">
               <a:rPr lang="en-AU" smtClean="0"/>
               <a:t>13/10/2024</a:t>
             </a:fld>
@@ -3058,7 +2957,7 @@
           <p:cNvPr id="5" name="Footer Placeholder 4">
             <a:extLst>
               <a:ext uri="{FF2B5EF4-FFF2-40B4-BE49-F238E27FC236}">
-                <a16:creationId xmlns:a16="http://schemas.microsoft.com/office/drawing/2014/main" id="{6A4C5D0B-D794-FECA-E8CA-C39364767C6D}"/>
+                <a16:creationId xmlns:a16="http://schemas.microsoft.com/office/drawing/2014/main" id="{49AAB693-A7F7-5B19-5992-8140C51891D8}"/>
               </a:ext>
             </a:extLst>
           </p:cNvPr>
@@ -3101,7 +3000,7 @@
           <p:cNvPr id="6" name="Slide Number Placeholder 5">
             <a:extLst>
               <a:ext uri="{FF2B5EF4-FFF2-40B4-BE49-F238E27FC236}">
-                <a16:creationId xmlns:a16="http://schemas.microsoft.com/office/drawing/2014/main" id="{D45FD109-051C-E6AA-77FD-817C40C482CE}"/>
+                <a16:creationId xmlns:a16="http://schemas.microsoft.com/office/drawing/2014/main" id="{9C37A5EB-1B9E-1A28-5F5B-E6D10824CD3B}"/>
               </a:ext>
             </a:extLst>
           </p:cNvPr>
@@ -3135,7 +3034,7 @@
             </a:lvl1pPr>
           </a:lstStyle>
           <a:p>
-            <a:fld id="{B4B22375-B4A0-47AA-BA6D-A3A5DC124852}" type="slidenum">
+            <a:fld id="{D877763A-1E68-4855-911F-BA3DEEA035D2}" type="slidenum">
               <a:rPr lang="en-AU" smtClean="0"/>
               <a:t>‹#›</a:t>
             </a:fld>
@@ -3146,7 +3045,7 @@
     </p:spTree>
     <p:extLst>
       <p:ext uri="{BB962C8B-B14F-4D97-AF65-F5344CB8AC3E}">
-        <p14:creationId xmlns:p14="http://schemas.microsoft.com/office/powerpoint/2010/main" val="3042055203"/>
+        <p14:creationId xmlns:p14="http://schemas.microsoft.com/office/powerpoint/2010/main" val="1784542056"/>
       </p:ext>
     </p:extLst>
   </p:cSld>
@@ -3466,10 +3365,10 @@
       </p:grpSpPr>
       <p:sp>
         <p:nvSpPr>
-          <p:cNvPr id="4" name="Title 3">
-            <a:extLst>
-              <a:ext uri="{FF2B5EF4-FFF2-40B4-BE49-F238E27FC236}">
-                <a16:creationId xmlns:a16="http://schemas.microsoft.com/office/drawing/2014/main" id="{55FF457F-230D-2222-6051-FB735BA925DD}"/>
+          <p:cNvPr id="2" name="Title 1">
+            <a:extLst>
+              <a:ext uri="{FF2B5EF4-FFF2-40B4-BE49-F238E27FC236}">
+                <a16:creationId xmlns:a16="http://schemas.microsoft.com/office/drawing/2014/main" id="{C20E8CA6-29AA-2186-24D9-0B48157F8090}"/>
               </a:ext>
             </a:extLst>
           </p:cNvPr>
@@ -3491,10 +3390,10 @@
       </p:sp>
       <p:sp>
         <p:nvSpPr>
-          <p:cNvPr id="5" name="Subtitle 4">
-            <a:extLst>
-              <a:ext uri="{FF2B5EF4-FFF2-40B4-BE49-F238E27FC236}">
-                <a16:creationId xmlns:a16="http://schemas.microsoft.com/office/drawing/2014/main" id="{C0E7614C-CDCA-7F28-77B1-DB9B9A6C80F5}"/>
+          <p:cNvPr id="3" name="Subtitle 2">
+            <a:extLst>
+              <a:ext uri="{FF2B5EF4-FFF2-40B4-BE49-F238E27FC236}">
+                <a16:creationId xmlns:a16="http://schemas.microsoft.com/office/drawing/2014/main" id="{EC4BE3F7-6560-F64B-8989-982A635CC127}"/>
               </a:ext>
             </a:extLst>
           </p:cNvPr>
@@ -3517,276 +3416,7 @@
     </p:spTree>
     <p:extLst>
       <p:ext uri="{BB962C8B-B14F-4D97-AF65-F5344CB8AC3E}">
-        <p14:creationId xmlns:p14="http://schemas.microsoft.com/office/powerpoint/2010/main" val="4122436765"/>
-      </p:ext>
-    </p:extLst>
-  </p:cSld>
-  <p:clrMapOvr>
-    <a:masterClrMapping/>
-  </p:clrMapOvr>
-</p:sld>
-</file>
-
-<file path=ppt/slides/slide2.xml><?xml version="1.0" encoding="utf-8"?>
-<p:sld xmlns:a="http://schemas.openxmlformats.org/drawingml/2006/main" xmlns:r="http://schemas.openxmlformats.org/officeDocument/2006/relationships" xmlns:p="http://schemas.openxmlformats.org/presentationml/2006/main">
-  <p:cSld>
-    <p:spTree>
-      <p:nvGrpSpPr>
-        <p:cNvPr id="1" name=""/>
-        <p:cNvGrpSpPr/>
-        <p:nvPr/>
-      </p:nvGrpSpPr>
-      <p:grpSpPr>
-        <a:xfrm>
-          <a:off x="0" y="0"/>
-          <a:ext cx="0" cy="0"/>
-          <a:chOff x="0" y="0"/>
-          <a:chExt cx="0" cy="0"/>
-        </a:xfrm>
-      </p:grpSpPr>
-      <p:sp>
-        <p:nvSpPr>
-          <p:cNvPr id="2" name="Title 1">
-            <a:extLst>
-              <a:ext uri="{FF2B5EF4-FFF2-40B4-BE49-F238E27FC236}">
-                <a16:creationId xmlns:a16="http://schemas.microsoft.com/office/drawing/2014/main" id="{ED3EB716-12E4-B0B5-B6E1-5A532994796A}"/>
-              </a:ext>
-            </a:extLst>
-          </p:cNvPr>
-          <p:cNvSpPr>
-            <a:spLocks noGrp="1"/>
-          </p:cNvSpPr>
-          <p:nvPr>
-            <p:ph type="title"/>
-          </p:nvPr>
-        </p:nvSpPr>
-        <p:spPr/>
-        <p:txBody>
-          <a:bodyPr/>
-          <a:lstStyle/>
-          <a:p>
-            <a:r>
-              <a:rPr lang="en-AU" dirty="0"/>
-              <a:t>Introduction</a:t>
-            </a:r>
-          </a:p>
-        </p:txBody>
-      </p:sp>
-      <p:sp>
-        <p:nvSpPr>
-          <p:cNvPr id="4" name="Rectangle 1">
-            <a:extLst>
-              <a:ext uri="{FF2B5EF4-FFF2-40B4-BE49-F238E27FC236}">
-                <a16:creationId xmlns:a16="http://schemas.microsoft.com/office/drawing/2014/main" id="{AA01CD72-0BD1-4787-6179-D2122F65BA85}"/>
-              </a:ext>
-            </a:extLst>
-          </p:cNvPr>
-          <p:cNvSpPr>
-            <a:spLocks noGrp="1" noChangeArrowheads="1"/>
-          </p:cNvSpPr>
-          <p:nvPr>
-            <p:ph idx="1"/>
-          </p:nvPr>
-        </p:nvSpPr>
-        <p:spPr bwMode="auto">
-          <a:xfrm>
-            <a:off x="947056" y="2644170"/>
-            <a:ext cx="7990113" cy="1569660"/>
-          </a:xfrm>
-          <a:prstGeom prst="rect">
-            <a:avLst/>
-          </a:prstGeom>
-          <a:noFill/>
-          <a:ln>
-            <a:noFill/>
-          </a:ln>
-          <a:effectLst/>
-          <a:extLst>
-            <a:ext uri="{909E8E84-426E-40DD-AFC4-6F175D3DCCD1}">
-              <a14:hiddenFill xmlns:a14="http://schemas.microsoft.com/office/drawing/2010/main">
-                <a:solidFill>
-                  <a:schemeClr val="accent1"/>
-                </a:solidFill>
-              </a14:hiddenFill>
-            </a:ext>
-            <a:ext uri="{91240B29-F687-4F45-9708-019B960494DF}">
-              <a14:hiddenLine xmlns:a14="http://schemas.microsoft.com/office/drawing/2010/main" w="9525">
-                <a:solidFill>
-                  <a:schemeClr val="tx1"/>
-                </a:solidFill>
-                <a:miter lim="800000"/>
-                <a:headEnd/>
-                <a:tailEnd/>
-              </a14:hiddenLine>
-            </a:ext>
-            <a:ext uri="{AF507438-7753-43E0-B8FC-AC1667EBCBE1}">
-              <a14:hiddenEffects xmlns:a14="http://schemas.microsoft.com/office/drawing/2010/main">
-                <a:effectLst>
-                  <a:outerShdw dist="35921" dir="2700000" algn="ctr" rotWithShape="0">
-                    <a:schemeClr val="bg2"/>
-                  </a:outerShdw>
-                </a:effectLst>
-              </a14:hiddenEffects>
-            </a:ext>
-          </a:extLst>
-        </p:spPr>
-        <p:txBody>
-          <a:bodyPr vert="horz" wrap="square" lIns="91440" tIns="45720" rIns="91440" bIns="45720" numCol="1" anchor="ctr" anchorCtr="0" compatLnSpc="1">
-            <a:prstTxWarp prst="textNoShape">
-              <a:avLst/>
-            </a:prstTxWarp>
-            <a:spAutoFit/>
-          </a:bodyPr>
-          <a:lstStyle/>
-          <a:p>
-            <a:pPr marL="0" marR="0" lvl="0" indent="0" algn="l" defTabSz="914400" rtl="0" eaLnBrk="0" fontAlgn="base" latinLnBrk="0" hangingPunct="0">
-              <a:lnSpc>
-                <a:spcPct val="100000"/>
-              </a:lnSpc>
-              <a:spcBef>
-                <a:spcPct val="0"/>
-              </a:spcBef>
-              <a:spcAft>
-                <a:spcPct val="0"/>
-              </a:spcAft>
-              <a:buClrTx/>
-              <a:buSzTx/>
-              <a:buFontTx/>
-              <a:buNone/>
-              <a:tabLst/>
-            </a:pPr>
-            <a:r>
-              <a:rPr kumimoji="0" lang="en-US" altLang="en-US" sz="2400" b="0" i="0" u="none" strike="noStrike" cap="none" normalizeH="0" baseline="0" dirty="0">
-                <a:ln>
-                  <a:noFill/>
-                </a:ln>
-                <a:solidFill>
-                  <a:srgbClr val="000000"/>
-                </a:solidFill>
-                <a:effectLst/>
-                <a:latin typeface="Aptos" panose="020B0004020202020204" pitchFamily="34" charset="0"/>
-              </a:rPr>
-              <a:t>Humans are very careless; we chuck rubbish out and don’t put too much care into what happens to it. This leads to litter and pollution. So, we are here today to pitch our idea of how we can reverse this, starting with the problem.</a:t>
-            </a:r>
-            <a:endParaRPr kumimoji="0" lang="en-US" altLang="en-US" sz="3600" b="0" i="0" u="none" strike="noStrike" cap="none" normalizeH="0" baseline="0" dirty="0">
-              <a:ln>
-                <a:noFill/>
-              </a:ln>
-              <a:solidFill>
-                <a:schemeClr val="tx1"/>
-              </a:solidFill>
-              <a:effectLst/>
-              <a:latin typeface="Arial" panose="020B0604020202020204" pitchFamily="34" charset="0"/>
-            </a:endParaRPr>
-          </a:p>
-        </p:txBody>
-      </p:sp>
-    </p:spTree>
-    <p:extLst>
-      <p:ext uri="{BB962C8B-B14F-4D97-AF65-F5344CB8AC3E}">
-        <p14:creationId xmlns:p14="http://schemas.microsoft.com/office/powerpoint/2010/main" val="1680795979"/>
-      </p:ext>
-    </p:extLst>
-  </p:cSld>
-  <p:clrMapOvr>
-    <a:masterClrMapping/>
-  </p:clrMapOvr>
-</p:sld>
-</file>
-
-<file path=ppt/slides/slide3.xml><?xml version="1.0" encoding="utf-8"?>
-<p:sld xmlns:a="http://schemas.openxmlformats.org/drawingml/2006/main" xmlns:r="http://schemas.openxmlformats.org/officeDocument/2006/relationships" xmlns:p="http://schemas.openxmlformats.org/presentationml/2006/main">
-  <p:cSld>
-    <p:spTree>
-      <p:nvGrpSpPr>
-        <p:cNvPr id="1" name=""/>
-        <p:cNvGrpSpPr/>
-        <p:nvPr/>
-      </p:nvGrpSpPr>
-      <p:grpSpPr>
-        <a:xfrm>
-          <a:off x="0" y="0"/>
-          <a:ext cx="0" cy="0"/>
-          <a:chOff x="0" y="0"/>
-          <a:chExt cx="0" cy="0"/>
-        </a:xfrm>
-      </p:grpSpPr>
-      <p:sp>
-        <p:nvSpPr>
-          <p:cNvPr id="2" name="Title 1">
-            <a:extLst>
-              <a:ext uri="{FF2B5EF4-FFF2-40B4-BE49-F238E27FC236}">
-                <a16:creationId xmlns:a16="http://schemas.microsoft.com/office/drawing/2014/main" id="{E509352F-BACE-AE02-BEAD-757CD3CD5793}"/>
-              </a:ext>
-            </a:extLst>
-          </p:cNvPr>
-          <p:cNvSpPr>
-            <a:spLocks noGrp="1"/>
-          </p:cNvSpPr>
-          <p:nvPr>
-            <p:ph type="title"/>
-          </p:nvPr>
-        </p:nvSpPr>
-        <p:spPr/>
-        <p:txBody>
-          <a:bodyPr/>
-          <a:lstStyle/>
-          <a:p>
-            <a:r>
-              <a:rPr lang="en-AU" noProof="0" dirty="0"/>
-              <a:t>The Problem</a:t>
-            </a:r>
-          </a:p>
-        </p:txBody>
-      </p:sp>
-      <p:sp>
-        <p:nvSpPr>
-          <p:cNvPr id="3" name="Content Placeholder 2">
-            <a:extLst>
-              <a:ext uri="{FF2B5EF4-FFF2-40B4-BE49-F238E27FC236}">
-                <a16:creationId xmlns:a16="http://schemas.microsoft.com/office/drawing/2014/main" id="{C10FA1A3-8AF0-984E-79D6-B1EDAD8778F0}"/>
-              </a:ext>
-            </a:extLst>
-          </p:cNvPr>
-          <p:cNvSpPr>
-            <a:spLocks noGrp="1"/>
-          </p:cNvSpPr>
-          <p:nvPr>
-            <p:ph idx="1"/>
-          </p:nvPr>
-        </p:nvSpPr>
-        <p:spPr>
-          <a:xfrm>
-            <a:off x="838199" y="1825625"/>
-            <a:ext cx="10798629" cy="3682546"/>
-          </a:xfrm>
-        </p:spPr>
-        <p:txBody>
-          <a:bodyPr>
-            <a:normAutofit/>
-          </a:bodyPr>
-          <a:lstStyle/>
-          <a:p>
-            <a:pPr marL="0" indent="0" algn="l" fontAlgn="base">
-              <a:buNone/>
-            </a:pPr>
-            <a:r>
-              <a:rPr lang="en-AU" b="0" i="0" noProof="0" dirty="0">
-                <a:solidFill>
-                  <a:srgbClr val="000000"/>
-                </a:solidFill>
-                <a:effectLst/>
-                <a:latin typeface="Aptos" panose="020B0004020202020204" pitchFamily="34" charset="0"/>
-              </a:rPr>
-              <a:t>There are currently over 5 trillion pieces of rubbish littering the ocean. These staggering amounts of garbage have accumulated in about 5 garbage patches, the most well-known one being the Great Pacific Garbage Patch. However, all though most of this rubbish floats in the water, creating large rubbish islands. Many animals will ingest the rubbish, making them sick and leading to death. As  this rubbish gets really waterlogged, unless it is heavy to start with, it sinks to the sea floor, damaging the environments like reefs. This brings us to the solutions used to combat this rubbish and protect the environment.</a:t>
-            </a:r>
-          </a:p>
-        </p:txBody>
-      </p:sp>
-    </p:spTree>
-    <p:extLst>
-      <p:ext uri="{BB962C8B-B14F-4D97-AF65-F5344CB8AC3E}">
-        <p14:creationId xmlns:p14="http://schemas.microsoft.com/office/powerpoint/2010/main" val="542633858"/>
+        <p14:creationId xmlns:p14="http://schemas.microsoft.com/office/powerpoint/2010/main" val="2020188002"/>
       </p:ext>
     </p:extLst>
   </p:cSld>

--- a/Project/Powerpoint slides/Gilbert.pptx
+++ b/Project/Powerpoint slides/Gilbert.pptx
@@ -378,7 +378,7 @@
           <a:p>
             <a:fld id="{ABA010E8-8B5B-4B0A-9592-B5FCD201839B}" type="datetimeFigureOut">
               <a:rPr lang="en-AU" smtClean="0"/>
-              <a:t>13/10/2024</a:t>
+              <a:t>14/10/24</a:t>
             </a:fld>
             <a:endParaRPr lang="en-AU"/>
           </a:p>
@@ -578,7 +578,7 @@
           <a:p>
             <a:fld id="{ABA010E8-8B5B-4B0A-9592-B5FCD201839B}" type="datetimeFigureOut">
               <a:rPr lang="en-AU" smtClean="0"/>
-              <a:t>13/10/2024</a:t>
+              <a:t>14/10/24</a:t>
             </a:fld>
             <a:endParaRPr lang="en-AU"/>
           </a:p>
@@ -788,7 +788,7 @@
           <a:p>
             <a:fld id="{ABA010E8-8B5B-4B0A-9592-B5FCD201839B}" type="datetimeFigureOut">
               <a:rPr lang="en-AU" smtClean="0"/>
-              <a:t>13/10/2024</a:t>
+              <a:t>14/10/24</a:t>
             </a:fld>
             <a:endParaRPr lang="en-AU"/>
           </a:p>
@@ -988,7 +988,7 @@
           <a:p>
             <a:fld id="{ABA010E8-8B5B-4B0A-9592-B5FCD201839B}" type="datetimeFigureOut">
               <a:rPr lang="en-AU" smtClean="0"/>
-              <a:t>13/10/2024</a:t>
+              <a:t>14/10/24</a:t>
             </a:fld>
             <a:endParaRPr lang="en-AU"/>
           </a:p>
@@ -1264,7 +1264,7 @@
           <a:p>
             <a:fld id="{ABA010E8-8B5B-4B0A-9592-B5FCD201839B}" type="datetimeFigureOut">
               <a:rPr lang="en-AU" smtClean="0"/>
-              <a:t>13/10/2024</a:t>
+              <a:t>14/10/24</a:t>
             </a:fld>
             <a:endParaRPr lang="en-AU"/>
           </a:p>
@@ -1532,7 +1532,7 @@
           <a:p>
             <a:fld id="{ABA010E8-8B5B-4B0A-9592-B5FCD201839B}" type="datetimeFigureOut">
               <a:rPr lang="en-AU" smtClean="0"/>
-              <a:t>13/10/2024</a:t>
+              <a:t>14/10/24</a:t>
             </a:fld>
             <a:endParaRPr lang="en-AU"/>
           </a:p>
@@ -1947,7 +1947,7 @@
           <a:p>
             <a:fld id="{ABA010E8-8B5B-4B0A-9592-B5FCD201839B}" type="datetimeFigureOut">
               <a:rPr lang="en-AU" smtClean="0"/>
-              <a:t>13/10/2024</a:t>
+              <a:t>14/10/24</a:t>
             </a:fld>
             <a:endParaRPr lang="en-AU"/>
           </a:p>
@@ -2089,7 +2089,7 @@
           <a:p>
             <a:fld id="{ABA010E8-8B5B-4B0A-9592-B5FCD201839B}" type="datetimeFigureOut">
               <a:rPr lang="en-AU" smtClean="0"/>
-              <a:t>13/10/2024</a:t>
+              <a:t>14/10/24</a:t>
             </a:fld>
             <a:endParaRPr lang="en-AU"/>
           </a:p>
@@ -2202,7 +2202,7 @@
           <a:p>
             <a:fld id="{ABA010E8-8B5B-4B0A-9592-B5FCD201839B}" type="datetimeFigureOut">
               <a:rPr lang="en-AU" smtClean="0"/>
-              <a:t>13/10/2024</a:t>
+              <a:t>14/10/24</a:t>
             </a:fld>
             <a:endParaRPr lang="en-AU"/>
           </a:p>
@@ -2515,7 +2515,7 @@
           <a:p>
             <a:fld id="{ABA010E8-8B5B-4B0A-9592-B5FCD201839B}" type="datetimeFigureOut">
               <a:rPr lang="en-AU" smtClean="0"/>
-              <a:t>13/10/2024</a:t>
+              <a:t>14/10/24</a:t>
             </a:fld>
             <a:endParaRPr lang="en-AU"/>
           </a:p>
@@ -2804,7 +2804,7 @@
           <a:p>
             <a:fld id="{ABA010E8-8B5B-4B0A-9592-B5FCD201839B}" type="datetimeFigureOut">
               <a:rPr lang="en-AU" smtClean="0"/>
-              <a:t>13/10/2024</a:t>
+              <a:t>14/10/24</a:t>
             </a:fld>
             <a:endParaRPr lang="en-AU"/>
           </a:p>
@@ -3047,7 +3047,7 @@
           <a:p>
             <a:fld id="{ABA010E8-8B5B-4B0A-9592-B5FCD201839B}" type="datetimeFigureOut">
               <a:rPr lang="en-AU" smtClean="0"/>
-              <a:t>13/10/2024</a:t>
+              <a:t>14/10/24</a:t>
             </a:fld>
             <a:endParaRPr lang="en-AU"/>
           </a:p>

--- a/Project/Powerpoint slides/Gilbert.pptx
+++ b/Project/Powerpoint slides/Gilbert.pptx
@@ -6,6 +6,8 @@
   </p:sldMasterIdLst>
   <p:sldIdLst>
     <p:sldId id="256" r:id="rId2"/>
+    <p:sldId id="257" r:id="rId3"/>
+    <p:sldId id="258" r:id="rId4"/>
   </p:sldIdLst>
   <p:sldSz cx="12192000" cy="6858000"/>
   <p:notesSz cx="6858000" cy="9144000"/>
@@ -104,28 +106,20 @@
       </a:defRPr>
     </a:lvl9pPr>
   </p:defaultTextStyle>
+  <p:extLst>
+    <p:ext uri="{EFAFB233-063F-42B5-8137-9DF3F51BA10A}">
+      <p15:sldGuideLst xmlns:p15="http://schemas.microsoft.com/office/powerpoint/2012/main"/>
+    </p:ext>
+  </p:extLst>
 </p:presentation>
 </file>
 
-<file path=ppt/changesInfos/changesInfo1.xml><?xml version="1.0" encoding="utf-8"?>
-<pc:chgInfo xmlns:a="http://schemas.openxmlformats.org/drawingml/2006/main" xmlns:r="http://schemas.openxmlformats.org/officeDocument/2006/relationships" xmlns:ac="http://schemas.microsoft.com/office/drawing/2013/main/command" xmlns:pc="http://schemas.microsoft.com/office/powerpoint/2013/main/command">
-  <pc:docChgLst>
-    <pc:chgData name="Gil Biggs" userId="9918958fc078604e" providerId="LiveId" clId="{32AE9185-EDD1-4C1D-9CD2-77115A0686C3}"/>
-    <pc:docChg chg="addSld">
-      <pc:chgData name="Gil Biggs" userId="9918958fc078604e" providerId="LiveId" clId="{32AE9185-EDD1-4C1D-9CD2-77115A0686C3}" dt="2024-10-13T22:45:38.965" v="0" actId="680"/>
-      <pc:docMkLst>
-        <pc:docMk/>
-      </pc:docMkLst>
-      <pc:sldChg chg="new">
-        <pc:chgData name="Gil Biggs" userId="9918958fc078604e" providerId="LiveId" clId="{32AE9185-EDD1-4C1D-9CD2-77115A0686C3}" dt="2024-10-13T22:45:38.965" v="0" actId="680"/>
-        <pc:sldMkLst>
-          <pc:docMk/>
-          <pc:sldMk cId="2020188002" sldId="256"/>
-        </pc:sldMkLst>
-      </pc:sldChg>
-    </pc:docChg>
-  </pc:docChgLst>
-</pc:chgInfo>
+<file path=ppt/revisionInfo.xml><?xml version="1.0" encoding="utf-8"?>
+<p1510:revInfo xmlns:a="http://schemas.openxmlformats.org/drawingml/2006/main" xmlns:r="http://schemas.openxmlformats.org/officeDocument/2006/relationships" xmlns:p1510="http://schemas.microsoft.com/office/powerpoint/2015/10/main">
+  <p1510:revLst>
+    <p1510:client id="{07FFF4FC-700D-4FDB-BF76-0DF5A953A87B}" v="14" dt="2024-10-12T23:32:10.477"/>
+  </p1510:revLst>
+</p1510:revInfo>
 </file>
 
 <file path=ppt/slideLayouts/slideLayout1.xml><?xml version="1.0" encoding="utf-8"?>
@@ -150,7 +144,7 @@
           <p:cNvPr id="2" name="Title 1">
             <a:extLst>
               <a:ext uri="{FF2B5EF4-FFF2-40B4-BE49-F238E27FC236}">
-                <a16:creationId xmlns:a16="http://schemas.microsoft.com/office/drawing/2014/main" id="{2A2FA1C2-F235-9842-66CD-418109EC5003}"/>
+                <a16:creationId xmlns:a16="http://schemas.microsoft.com/office/drawing/2014/main" id="{3582C71A-4E5D-878D-EA41-C53BF0730F17}"/>
               </a:ext>
             </a:extLst>
           </p:cNvPr>
@@ -188,7 +182,7 @@
           <p:cNvPr id="3" name="Subtitle 2">
             <a:extLst>
               <a:ext uri="{FF2B5EF4-FFF2-40B4-BE49-F238E27FC236}">
-                <a16:creationId xmlns:a16="http://schemas.microsoft.com/office/drawing/2014/main" id="{14DBFE82-8888-D7D7-B4E9-C9AD384DDB6C}"/>
+                <a16:creationId xmlns:a16="http://schemas.microsoft.com/office/drawing/2014/main" id="{2CCEAB12-843D-61B0-DCC5-4904D088967E}"/>
               </a:ext>
             </a:extLst>
           </p:cNvPr>
@@ -259,7 +253,7 @@
           <p:cNvPr id="4" name="Date Placeholder 3">
             <a:extLst>
               <a:ext uri="{FF2B5EF4-FFF2-40B4-BE49-F238E27FC236}">
-                <a16:creationId xmlns:a16="http://schemas.microsoft.com/office/drawing/2014/main" id="{236A7424-01D5-BEDC-27E5-05A82431F065}"/>
+                <a16:creationId xmlns:a16="http://schemas.microsoft.com/office/drawing/2014/main" id="{974FC1E6-9FF1-EAE2-695F-E83ED40338A8}"/>
               </a:ext>
             </a:extLst>
           </p:cNvPr>
@@ -275,9 +269,9 @@
           <a:bodyPr/>
           <a:lstStyle/>
           <a:p>
-            <a:fld id="{9E81B343-C886-4BE7-BDCF-F48F63AA8696}" type="datetimeFigureOut">
+            <a:fld id="{ABA010E8-8B5B-4B0A-9592-B5FCD201839B}" type="datetimeFigureOut">
               <a:rPr lang="en-AU" smtClean="0"/>
-              <a:t>13/10/2024</a:t>
+              <a:t>14/10/24</a:t>
             </a:fld>
             <a:endParaRPr lang="en-AU"/>
           </a:p>
@@ -288,7 +282,7 @@
           <p:cNvPr id="5" name="Footer Placeholder 4">
             <a:extLst>
               <a:ext uri="{FF2B5EF4-FFF2-40B4-BE49-F238E27FC236}">
-                <a16:creationId xmlns:a16="http://schemas.microsoft.com/office/drawing/2014/main" id="{40A1E11B-57BB-427B-FA80-DAE5F1C18B9A}"/>
+                <a16:creationId xmlns:a16="http://schemas.microsoft.com/office/drawing/2014/main" id="{F8FF2F71-1CAD-EE1C-7006-A56A5F4E8F53}"/>
               </a:ext>
             </a:extLst>
           </p:cNvPr>
@@ -313,7 +307,7 @@
           <p:cNvPr id="6" name="Slide Number Placeholder 5">
             <a:extLst>
               <a:ext uri="{FF2B5EF4-FFF2-40B4-BE49-F238E27FC236}">
-                <a16:creationId xmlns:a16="http://schemas.microsoft.com/office/drawing/2014/main" id="{6718D74E-4427-A307-43A2-95933998BC66}"/>
+                <a16:creationId xmlns:a16="http://schemas.microsoft.com/office/drawing/2014/main" id="{35C23F35-66C6-6098-532D-8B5C4EAD1FCA}"/>
               </a:ext>
             </a:extLst>
           </p:cNvPr>
@@ -329,7 +323,7 @@
           <a:bodyPr/>
           <a:lstStyle/>
           <a:p>
-            <a:fld id="{D877763A-1E68-4855-911F-BA3DEEA035D2}" type="slidenum">
+            <a:fld id="{B4B22375-B4A0-47AA-BA6D-A3A5DC124852}" type="slidenum">
               <a:rPr lang="en-AU" smtClean="0"/>
               <a:t>‹#›</a:t>
             </a:fld>
@@ -340,7 +334,7 @@
     </p:spTree>
     <p:extLst>
       <p:ext uri="{BB962C8B-B14F-4D97-AF65-F5344CB8AC3E}">
-        <p14:creationId xmlns:p14="http://schemas.microsoft.com/office/powerpoint/2010/main" val="3822682199"/>
+        <p14:creationId xmlns:p14="http://schemas.microsoft.com/office/powerpoint/2010/main" val="446852589"/>
       </p:ext>
     </p:extLst>
   </p:cSld>
@@ -372,7 +366,7 @@
           <p:cNvPr id="2" name="Title 1">
             <a:extLst>
               <a:ext uri="{FF2B5EF4-FFF2-40B4-BE49-F238E27FC236}">
-                <a16:creationId xmlns:a16="http://schemas.microsoft.com/office/drawing/2014/main" id="{1CE4FEE0-D28D-D102-3F74-D1317444C15C}"/>
+                <a16:creationId xmlns:a16="http://schemas.microsoft.com/office/drawing/2014/main" id="{3DBC79FE-6D81-4F03-7F85-99C987386474}"/>
               </a:ext>
             </a:extLst>
           </p:cNvPr>
@@ -401,7 +395,7 @@
           <p:cNvPr id="3" name="Vertical Text Placeholder 2">
             <a:extLst>
               <a:ext uri="{FF2B5EF4-FFF2-40B4-BE49-F238E27FC236}">
-                <a16:creationId xmlns:a16="http://schemas.microsoft.com/office/drawing/2014/main" id="{0200B7B7-DB8A-293D-7ABA-F8ABE7772CCF}"/>
+                <a16:creationId xmlns:a16="http://schemas.microsoft.com/office/drawing/2014/main" id="{AF37A2D7-D8AC-D291-7152-21A294E345EA}"/>
               </a:ext>
             </a:extLst>
           </p:cNvPr>
@@ -459,7 +453,7 @@
           <p:cNvPr id="4" name="Date Placeholder 3">
             <a:extLst>
               <a:ext uri="{FF2B5EF4-FFF2-40B4-BE49-F238E27FC236}">
-                <a16:creationId xmlns:a16="http://schemas.microsoft.com/office/drawing/2014/main" id="{959CA6E2-D611-0BFE-7570-CBEAB6DBFD95}"/>
+                <a16:creationId xmlns:a16="http://schemas.microsoft.com/office/drawing/2014/main" id="{BA9708F5-2C11-121A-5047-DE1D54844C4F}"/>
               </a:ext>
             </a:extLst>
           </p:cNvPr>
@@ -475,9 +469,9 @@
           <a:bodyPr/>
           <a:lstStyle/>
           <a:p>
-            <a:fld id="{9E81B343-C886-4BE7-BDCF-F48F63AA8696}" type="datetimeFigureOut">
+            <a:fld id="{ABA010E8-8B5B-4B0A-9592-B5FCD201839B}" type="datetimeFigureOut">
               <a:rPr lang="en-AU" smtClean="0"/>
-              <a:t>13/10/2024</a:t>
+              <a:t>14/10/24</a:t>
             </a:fld>
             <a:endParaRPr lang="en-AU"/>
           </a:p>
@@ -488,7 +482,7 @@
           <p:cNvPr id="5" name="Footer Placeholder 4">
             <a:extLst>
               <a:ext uri="{FF2B5EF4-FFF2-40B4-BE49-F238E27FC236}">
-                <a16:creationId xmlns:a16="http://schemas.microsoft.com/office/drawing/2014/main" id="{A8E606CC-13D5-C376-D286-EBB5DE53ADD8}"/>
+                <a16:creationId xmlns:a16="http://schemas.microsoft.com/office/drawing/2014/main" id="{BC2269D1-25CD-9A4E-7251-91C88A7B8AF3}"/>
               </a:ext>
             </a:extLst>
           </p:cNvPr>
@@ -513,7 +507,7 @@
           <p:cNvPr id="6" name="Slide Number Placeholder 5">
             <a:extLst>
               <a:ext uri="{FF2B5EF4-FFF2-40B4-BE49-F238E27FC236}">
-                <a16:creationId xmlns:a16="http://schemas.microsoft.com/office/drawing/2014/main" id="{2DCD77C7-848B-141B-408E-8186AE270F76}"/>
+                <a16:creationId xmlns:a16="http://schemas.microsoft.com/office/drawing/2014/main" id="{8DCE3073-A90F-3404-9590-18916C06B808}"/>
               </a:ext>
             </a:extLst>
           </p:cNvPr>
@@ -529,7 +523,7 @@
           <a:bodyPr/>
           <a:lstStyle/>
           <a:p>
-            <a:fld id="{D877763A-1E68-4855-911F-BA3DEEA035D2}" type="slidenum">
+            <a:fld id="{B4B22375-B4A0-47AA-BA6D-A3A5DC124852}" type="slidenum">
               <a:rPr lang="en-AU" smtClean="0"/>
               <a:t>‹#›</a:t>
             </a:fld>
@@ -540,7 +534,7 @@
     </p:spTree>
     <p:extLst>
       <p:ext uri="{BB962C8B-B14F-4D97-AF65-F5344CB8AC3E}">
-        <p14:creationId xmlns:p14="http://schemas.microsoft.com/office/powerpoint/2010/main" val="2977861218"/>
+        <p14:creationId xmlns:p14="http://schemas.microsoft.com/office/powerpoint/2010/main" val="2754011752"/>
       </p:ext>
     </p:extLst>
   </p:cSld>
@@ -572,7 +566,7 @@
           <p:cNvPr id="2" name="Vertical Title 1">
             <a:extLst>
               <a:ext uri="{FF2B5EF4-FFF2-40B4-BE49-F238E27FC236}">
-                <a16:creationId xmlns:a16="http://schemas.microsoft.com/office/drawing/2014/main" id="{BBDCB701-7B31-41B2-9EE8-39E1ED716DEE}"/>
+                <a16:creationId xmlns:a16="http://schemas.microsoft.com/office/drawing/2014/main" id="{BB2F3B50-AF6E-3212-5AC3-17F5E7E8733F}"/>
               </a:ext>
             </a:extLst>
           </p:cNvPr>
@@ -606,7 +600,7 @@
           <p:cNvPr id="3" name="Vertical Text Placeholder 2">
             <a:extLst>
               <a:ext uri="{FF2B5EF4-FFF2-40B4-BE49-F238E27FC236}">
-                <a16:creationId xmlns:a16="http://schemas.microsoft.com/office/drawing/2014/main" id="{1465C6C4-FB5C-356C-1CFA-1F5E6AF88372}"/>
+                <a16:creationId xmlns:a16="http://schemas.microsoft.com/office/drawing/2014/main" id="{2ADA6189-644D-BC3C-EED1-9C9827FEAF98}"/>
               </a:ext>
             </a:extLst>
           </p:cNvPr>
@@ -669,7 +663,7 @@
           <p:cNvPr id="4" name="Date Placeholder 3">
             <a:extLst>
               <a:ext uri="{FF2B5EF4-FFF2-40B4-BE49-F238E27FC236}">
-                <a16:creationId xmlns:a16="http://schemas.microsoft.com/office/drawing/2014/main" id="{5565BD01-B86D-FDDD-607B-5F1ED27A948A}"/>
+                <a16:creationId xmlns:a16="http://schemas.microsoft.com/office/drawing/2014/main" id="{A54949B7-54B2-AC6B-5EA0-78EA12ABCBA2}"/>
               </a:ext>
             </a:extLst>
           </p:cNvPr>
@@ -685,9 +679,9 @@
           <a:bodyPr/>
           <a:lstStyle/>
           <a:p>
-            <a:fld id="{9E81B343-C886-4BE7-BDCF-F48F63AA8696}" type="datetimeFigureOut">
+            <a:fld id="{ABA010E8-8B5B-4B0A-9592-B5FCD201839B}" type="datetimeFigureOut">
               <a:rPr lang="en-AU" smtClean="0"/>
-              <a:t>13/10/2024</a:t>
+              <a:t>14/10/24</a:t>
             </a:fld>
             <a:endParaRPr lang="en-AU"/>
           </a:p>
@@ -698,7 +692,7 @@
           <p:cNvPr id="5" name="Footer Placeholder 4">
             <a:extLst>
               <a:ext uri="{FF2B5EF4-FFF2-40B4-BE49-F238E27FC236}">
-                <a16:creationId xmlns:a16="http://schemas.microsoft.com/office/drawing/2014/main" id="{7F81550C-DFB1-A4AE-588D-41D2E697208C}"/>
+                <a16:creationId xmlns:a16="http://schemas.microsoft.com/office/drawing/2014/main" id="{8B0777A4-09CE-ED07-A344-9D62E6FFC481}"/>
               </a:ext>
             </a:extLst>
           </p:cNvPr>
@@ -723,7 +717,7 @@
           <p:cNvPr id="6" name="Slide Number Placeholder 5">
             <a:extLst>
               <a:ext uri="{FF2B5EF4-FFF2-40B4-BE49-F238E27FC236}">
-                <a16:creationId xmlns:a16="http://schemas.microsoft.com/office/drawing/2014/main" id="{C66F8B38-2582-9754-A77E-2248D9E89252}"/>
+                <a16:creationId xmlns:a16="http://schemas.microsoft.com/office/drawing/2014/main" id="{1E76C790-7E9D-6BBB-B9D5-F606A4F69914}"/>
               </a:ext>
             </a:extLst>
           </p:cNvPr>
@@ -739,7 +733,7 @@
           <a:bodyPr/>
           <a:lstStyle/>
           <a:p>
-            <a:fld id="{D877763A-1E68-4855-911F-BA3DEEA035D2}" type="slidenum">
+            <a:fld id="{B4B22375-B4A0-47AA-BA6D-A3A5DC124852}" type="slidenum">
               <a:rPr lang="en-AU" smtClean="0"/>
               <a:t>‹#›</a:t>
             </a:fld>
@@ -750,7 +744,7 @@
     </p:spTree>
     <p:extLst>
       <p:ext uri="{BB962C8B-B14F-4D97-AF65-F5344CB8AC3E}">
-        <p14:creationId xmlns:p14="http://schemas.microsoft.com/office/powerpoint/2010/main" val="715767997"/>
+        <p14:creationId xmlns:p14="http://schemas.microsoft.com/office/powerpoint/2010/main" val="3771140455"/>
       </p:ext>
     </p:extLst>
   </p:cSld>
@@ -782,7 +776,7 @@
           <p:cNvPr id="2" name="Title 1">
             <a:extLst>
               <a:ext uri="{FF2B5EF4-FFF2-40B4-BE49-F238E27FC236}">
-                <a16:creationId xmlns:a16="http://schemas.microsoft.com/office/drawing/2014/main" id="{18D510DA-F333-085F-9818-F852B06B77BD}"/>
+                <a16:creationId xmlns:a16="http://schemas.microsoft.com/office/drawing/2014/main" id="{0DF1C8F8-F5DC-B894-CAB3-17BBA6BE4E21}"/>
               </a:ext>
             </a:extLst>
           </p:cNvPr>
@@ -811,7 +805,7 @@
           <p:cNvPr id="3" name="Content Placeholder 2">
             <a:extLst>
               <a:ext uri="{FF2B5EF4-FFF2-40B4-BE49-F238E27FC236}">
-                <a16:creationId xmlns:a16="http://schemas.microsoft.com/office/drawing/2014/main" id="{2410036A-E278-AF6B-EE9A-6D34A3CE05FB}"/>
+                <a16:creationId xmlns:a16="http://schemas.microsoft.com/office/drawing/2014/main" id="{1E5109D5-863E-BE1A-7C43-1B88C11BD983}"/>
               </a:ext>
             </a:extLst>
           </p:cNvPr>
@@ -869,7 +863,7 @@
           <p:cNvPr id="4" name="Date Placeholder 3">
             <a:extLst>
               <a:ext uri="{FF2B5EF4-FFF2-40B4-BE49-F238E27FC236}">
-                <a16:creationId xmlns:a16="http://schemas.microsoft.com/office/drawing/2014/main" id="{114CC15C-10CF-16B9-4F0A-5803D1C972B1}"/>
+                <a16:creationId xmlns:a16="http://schemas.microsoft.com/office/drawing/2014/main" id="{E0212574-3455-C98F-943F-D34987966337}"/>
               </a:ext>
             </a:extLst>
           </p:cNvPr>
@@ -885,9 +879,9 @@
           <a:bodyPr/>
           <a:lstStyle/>
           <a:p>
-            <a:fld id="{9E81B343-C886-4BE7-BDCF-F48F63AA8696}" type="datetimeFigureOut">
+            <a:fld id="{ABA010E8-8B5B-4B0A-9592-B5FCD201839B}" type="datetimeFigureOut">
               <a:rPr lang="en-AU" smtClean="0"/>
-              <a:t>13/10/2024</a:t>
+              <a:t>14/10/24</a:t>
             </a:fld>
             <a:endParaRPr lang="en-AU"/>
           </a:p>
@@ -898,7 +892,7 @@
           <p:cNvPr id="5" name="Footer Placeholder 4">
             <a:extLst>
               <a:ext uri="{FF2B5EF4-FFF2-40B4-BE49-F238E27FC236}">
-                <a16:creationId xmlns:a16="http://schemas.microsoft.com/office/drawing/2014/main" id="{47DC463F-64F8-2A66-EBFC-3DB20EF33E42}"/>
+                <a16:creationId xmlns:a16="http://schemas.microsoft.com/office/drawing/2014/main" id="{AABDAF8E-22FF-CAC1-1C03-5068A1489682}"/>
               </a:ext>
             </a:extLst>
           </p:cNvPr>
@@ -923,7 +917,7 @@
           <p:cNvPr id="6" name="Slide Number Placeholder 5">
             <a:extLst>
               <a:ext uri="{FF2B5EF4-FFF2-40B4-BE49-F238E27FC236}">
-                <a16:creationId xmlns:a16="http://schemas.microsoft.com/office/drawing/2014/main" id="{BA97B75F-307A-6A38-0568-31F216C4C7C7}"/>
+                <a16:creationId xmlns:a16="http://schemas.microsoft.com/office/drawing/2014/main" id="{C9F449B3-13CE-C80C-685C-C3F9FAF5DDC5}"/>
               </a:ext>
             </a:extLst>
           </p:cNvPr>
@@ -939,7 +933,7 @@
           <a:bodyPr/>
           <a:lstStyle/>
           <a:p>
-            <a:fld id="{D877763A-1E68-4855-911F-BA3DEEA035D2}" type="slidenum">
+            <a:fld id="{B4B22375-B4A0-47AA-BA6D-A3A5DC124852}" type="slidenum">
               <a:rPr lang="en-AU" smtClean="0"/>
               <a:t>‹#›</a:t>
             </a:fld>
@@ -950,7 +944,7 @@
     </p:spTree>
     <p:extLst>
       <p:ext uri="{BB962C8B-B14F-4D97-AF65-F5344CB8AC3E}">
-        <p14:creationId xmlns:p14="http://schemas.microsoft.com/office/powerpoint/2010/main" val="877228763"/>
+        <p14:creationId xmlns:p14="http://schemas.microsoft.com/office/powerpoint/2010/main" val="785902166"/>
       </p:ext>
     </p:extLst>
   </p:cSld>
@@ -982,7 +976,7 @@
           <p:cNvPr id="2" name="Title 1">
             <a:extLst>
               <a:ext uri="{FF2B5EF4-FFF2-40B4-BE49-F238E27FC236}">
-                <a16:creationId xmlns:a16="http://schemas.microsoft.com/office/drawing/2014/main" id="{B124EE91-8576-C1B5-0333-413B7ED1E49D}"/>
+                <a16:creationId xmlns:a16="http://schemas.microsoft.com/office/drawing/2014/main" id="{56A16304-7F91-E927-AA2A-859D87735324}"/>
               </a:ext>
             </a:extLst>
           </p:cNvPr>
@@ -1020,7 +1014,7 @@
           <p:cNvPr id="3" name="Text Placeholder 2">
             <a:extLst>
               <a:ext uri="{FF2B5EF4-FFF2-40B4-BE49-F238E27FC236}">
-                <a16:creationId xmlns:a16="http://schemas.microsoft.com/office/drawing/2014/main" id="{6461ACB7-47FA-D2D7-010B-1E1056DA7AA1}"/>
+                <a16:creationId xmlns:a16="http://schemas.microsoft.com/office/drawing/2014/main" id="{03C603C7-650A-CF9A-6DD0-725F7F864340}"/>
               </a:ext>
             </a:extLst>
           </p:cNvPr>
@@ -1145,7 +1139,7 @@
           <p:cNvPr id="4" name="Date Placeholder 3">
             <a:extLst>
               <a:ext uri="{FF2B5EF4-FFF2-40B4-BE49-F238E27FC236}">
-                <a16:creationId xmlns:a16="http://schemas.microsoft.com/office/drawing/2014/main" id="{9AF02E55-65CC-16B4-5B83-5AEE0E4881E7}"/>
+                <a16:creationId xmlns:a16="http://schemas.microsoft.com/office/drawing/2014/main" id="{9D65E61A-41D2-FF08-B2C8-5811E527824D}"/>
               </a:ext>
             </a:extLst>
           </p:cNvPr>
@@ -1161,9 +1155,9 @@
           <a:bodyPr/>
           <a:lstStyle/>
           <a:p>
-            <a:fld id="{9E81B343-C886-4BE7-BDCF-F48F63AA8696}" type="datetimeFigureOut">
+            <a:fld id="{ABA010E8-8B5B-4B0A-9592-B5FCD201839B}" type="datetimeFigureOut">
               <a:rPr lang="en-AU" smtClean="0"/>
-              <a:t>13/10/2024</a:t>
+              <a:t>14/10/24</a:t>
             </a:fld>
             <a:endParaRPr lang="en-AU"/>
           </a:p>
@@ -1174,7 +1168,7 @@
           <p:cNvPr id="5" name="Footer Placeholder 4">
             <a:extLst>
               <a:ext uri="{FF2B5EF4-FFF2-40B4-BE49-F238E27FC236}">
-                <a16:creationId xmlns:a16="http://schemas.microsoft.com/office/drawing/2014/main" id="{7C73AC99-9E9D-F23C-61FC-BBD7529F46C1}"/>
+                <a16:creationId xmlns:a16="http://schemas.microsoft.com/office/drawing/2014/main" id="{64861750-1DF9-1135-FE51-1AE7524581A6}"/>
               </a:ext>
             </a:extLst>
           </p:cNvPr>
@@ -1199,7 +1193,7 @@
           <p:cNvPr id="6" name="Slide Number Placeholder 5">
             <a:extLst>
               <a:ext uri="{FF2B5EF4-FFF2-40B4-BE49-F238E27FC236}">
-                <a16:creationId xmlns:a16="http://schemas.microsoft.com/office/drawing/2014/main" id="{12046384-F27F-1456-C0BE-D6ED31387455}"/>
+                <a16:creationId xmlns:a16="http://schemas.microsoft.com/office/drawing/2014/main" id="{52BAD49E-BA95-AAC8-2666-43D42E8EE961}"/>
               </a:ext>
             </a:extLst>
           </p:cNvPr>
@@ -1215,7 +1209,7 @@
           <a:bodyPr/>
           <a:lstStyle/>
           <a:p>
-            <a:fld id="{D877763A-1E68-4855-911F-BA3DEEA035D2}" type="slidenum">
+            <a:fld id="{B4B22375-B4A0-47AA-BA6D-A3A5DC124852}" type="slidenum">
               <a:rPr lang="en-AU" smtClean="0"/>
               <a:t>‹#›</a:t>
             </a:fld>
@@ -1226,7 +1220,7 @@
     </p:spTree>
     <p:extLst>
       <p:ext uri="{BB962C8B-B14F-4D97-AF65-F5344CB8AC3E}">
-        <p14:creationId xmlns:p14="http://schemas.microsoft.com/office/powerpoint/2010/main" val="3737446310"/>
+        <p14:creationId xmlns:p14="http://schemas.microsoft.com/office/powerpoint/2010/main" val="2798375854"/>
       </p:ext>
     </p:extLst>
   </p:cSld>
@@ -1258,7 +1252,7 @@
           <p:cNvPr id="2" name="Title 1">
             <a:extLst>
               <a:ext uri="{FF2B5EF4-FFF2-40B4-BE49-F238E27FC236}">
-                <a16:creationId xmlns:a16="http://schemas.microsoft.com/office/drawing/2014/main" id="{41C5D686-1988-E79A-2265-1628398A5A0F}"/>
+                <a16:creationId xmlns:a16="http://schemas.microsoft.com/office/drawing/2014/main" id="{6C428E06-4298-65AD-77DB-5357AA10E34E}"/>
               </a:ext>
             </a:extLst>
           </p:cNvPr>
@@ -1287,7 +1281,7 @@
           <p:cNvPr id="3" name="Content Placeholder 2">
             <a:extLst>
               <a:ext uri="{FF2B5EF4-FFF2-40B4-BE49-F238E27FC236}">
-                <a16:creationId xmlns:a16="http://schemas.microsoft.com/office/drawing/2014/main" id="{7133F52B-DE95-A0FC-F82E-C9A4EB26DFA0}"/>
+                <a16:creationId xmlns:a16="http://schemas.microsoft.com/office/drawing/2014/main" id="{4C4042B1-046E-334F-2E24-0BFEF277154A}"/>
               </a:ext>
             </a:extLst>
           </p:cNvPr>
@@ -1350,7 +1344,7 @@
           <p:cNvPr id="4" name="Content Placeholder 3">
             <a:extLst>
               <a:ext uri="{FF2B5EF4-FFF2-40B4-BE49-F238E27FC236}">
-                <a16:creationId xmlns:a16="http://schemas.microsoft.com/office/drawing/2014/main" id="{3B7E756A-DE7F-D329-D818-256F95802B86}"/>
+                <a16:creationId xmlns:a16="http://schemas.microsoft.com/office/drawing/2014/main" id="{67B9DD26-BA47-FF78-40F1-301FAB366393}"/>
               </a:ext>
             </a:extLst>
           </p:cNvPr>
@@ -1413,7 +1407,7 @@
           <p:cNvPr id="5" name="Date Placeholder 4">
             <a:extLst>
               <a:ext uri="{FF2B5EF4-FFF2-40B4-BE49-F238E27FC236}">
-                <a16:creationId xmlns:a16="http://schemas.microsoft.com/office/drawing/2014/main" id="{7C5B3A98-7856-E3A7-2386-5C99A1BFF551}"/>
+                <a16:creationId xmlns:a16="http://schemas.microsoft.com/office/drawing/2014/main" id="{BAD41590-A9B3-4AA3-A4CD-E51C00A73DEB}"/>
               </a:ext>
             </a:extLst>
           </p:cNvPr>
@@ -1429,9 +1423,9 @@
           <a:bodyPr/>
           <a:lstStyle/>
           <a:p>
-            <a:fld id="{9E81B343-C886-4BE7-BDCF-F48F63AA8696}" type="datetimeFigureOut">
+            <a:fld id="{ABA010E8-8B5B-4B0A-9592-B5FCD201839B}" type="datetimeFigureOut">
               <a:rPr lang="en-AU" smtClean="0"/>
-              <a:t>13/10/2024</a:t>
+              <a:t>14/10/24</a:t>
             </a:fld>
             <a:endParaRPr lang="en-AU"/>
           </a:p>
@@ -1442,7 +1436,7 @@
           <p:cNvPr id="6" name="Footer Placeholder 5">
             <a:extLst>
               <a:ext uri="{FF2B5EF4-FFF2-40B4-BE49-F238E27FC236}">
-                <a16:creationId xmlns:a16="http://schemas.microsoft.com/office/drawing/2014/main" id="{6C8180C9-D385-BE24-080F-9FB597F834A8}"/>
+                <a16:creationId xmlns:a16="http://schemas.microsoft.com/office/drawing/2014/main" id="{6D8DA7D0-D401-84E0-7B7B-612599975BB1}"/>
               </a:ext>
             </a:extLst>
           </p:cNvPr>
@@ -1467,7 +1461,7 @@
           <p:cNvPr id="7" name="Slide Number Placeholder 6">
             <a:extLst>
               <a:ext uri="{FF2B5EF4-FFF2-40B4-BE49-F238E27FC236}">
-                <a16:creationId xmlns:a16="http://schemas.microsoft.com/office/drawing/2014/main" id="{ECEDC412-70E7-8D38-48D8-3350AAB6526D}"/>
+                <a16:creationId xmlns:a16="http://schemas.microsoft.com/office/drawing/2014/main" id="{B4F8F2FF-AB0A-38BA-0FCC-25C3A24BF31E}"/>
               </a:ext>
             </a:extLst>
           </p:cNvPr>
@@ -1483,7 +1477,7 @@
           <a:bodyPr/>
           <a:lstStyle/>
           <a:p>
-            <a:fld id="{D877763A-1E68-4855-911F-BA3DEEA035D2}" type="slidenum">
+            <a:fld id="{B4B22375-B4A0-47AA-BA6D-A3A5DC124852}" type="slidenum">
               <a:rPr lang="en-AU" smtClean="0"/>
               <a:t>‹#›</a:t>
             </a:fld>
@@ -1494,7 +1488,7 @@
     </p:spTree>
     <p:extLst>
       <p:ext uri="{BB962C8B-B14F-4D97-AF65-F5344CB8AC3E}">
-        <p14:creationId xmlns:p14="http://schemas.microsoft.com/office/powerpoint/2010/main" val="1315321143"/>
+        <p14:creationId xmlns:p14="http://schemas.microsoft.com/office/powerpoint/2010/main" val="984800671"/>
       </p:ext>
     </p:extLst>
   </p:cSld>
@@ -1526,7 +1520,7 @@
           <p:cNvPr id="2" name="Title 1">
             <a:extLst>
               <a:ext uri="{FF2B5EF4-FFF2-40B4-BE49-F238E27FC236}">
-                <a16:creationId xmlns:a16="http://schemas.microsoft.com/office/drawing/2014/main" id="{AADFA5B9-CBE4-0D83-CF6E-9FE619134BAB}"/>
+                <a16:creationId xmlns:a16="http://schemas.microsoft.com/office/drawing/2014/main" id="{87711952-180E-8B74-EDF5-C23FD4F75D02}"/>
               </a:ext>
             </a:extLst>
           </p:cNvPr>
@@ -1560,7 +1554,7 @@
           <p:cNvPr id="3" name="Text Placeholder 2">
             <a:extLst>
               <a:ext uri="{FF2B5EF4-FFF2-40B4-BE49-F238E27FC236}">
-                <a16:creationId xmlns:a16="http://schemas.microsoft.com/office/drawing/2014/main" id="{EE02452E-0053-C9E7-C0BC-D9C7B3E305BD}"/>
+                <a16:creationId xmlns:a16="http://schemas.microsoft.com/office/drawing/2014/main" id="{193BBAB8-949E-49A3-AF0D-01F1D6C6C44E}"/>
               </a:ext>
             </a:extLst>
           </p:cNvPr>
@@ -1631,7 +1625,7 @@
           <p:cNvPr id="4" name="Content Placeholder 3">
             <a:extLst>
               <a:ext uri="{FF2B5EF4-FFF2-40B4-BE49-F238E27FC236}">
-                <a16:creationId xmlns:a16="http://schemas.microsoft.com/office/drawing/2014/main" id="{92B80BC6-B820-2FD5-80DD-69173ECBBA2D}"/>
+                <a16:creationId xmlns:a16="http://schemas.microsoft.com/office/drawing/2014/main" id="{99032562-5360-C21C-0B96-F1B2798978BC}"/>
               </a:ext>
             </a:extLst>
           </p:cNvPr>
@@ -1694,7 +1688,7 @@
           <p:cNvPr id="5" name="Text Placeholder 4">
             <a:extLst>
               <a:ext uri="{FF2B5EF4-FFF2-40B4-BE49-F238E27FC236}">
-                <a16:creationId xmlns:a16="http://schemas.microsoft.com/office/drawing/2014/main" id="{E0E7CC76-D1B7-2E58-50DC-2928FF0FB259}"/>
+                <a16:creationId xmlns:a16="http://schemas.microsoft.com/office/drawing/2014/main" id="{79A8D549-81D2-AB20-AD47-ECDAF6C69CC8}"/>
               </a:ext>
             </a:extLst>
           </p:cNvPr>
@@ -1765,7 +1759,7 @@
           <p:cNvPr id="6" name="Content Placeholder 5">
             <a:extLst>
               <a:ext uri="{FF2B5EF4-FFF2-40B4-BE49-F238E27FC236}">
-                <a16:creationId xmlns:a16="http://schemas.microsoft.com/office/drawing/2014/main" id="{F530C830-347E-835C-05A7-954B27BAFCFE}"/>
+                <a16:creationId xmlns:a16="http://schemas.microsoft.com/office/drawing/2014/main" id="{E20DE574-9B8F-B10D-8AD2-EE3562D7A9DB}"/>
               </a:ext>
             </a:extLst>
           </p:cNvPr>
@@ -1828,7 +1822,7 @@
           <p:cNvPr id="7" name="Date Placeholder 6">
             <a:extLst>
               <a:ext uri="{FF2B5EF4-FFF2-40B4-BE49-F238E27FC236}">
-                <a16:creationId xmlns:a16="http://schemas.microsoft.com/office/drawing/2014/main" id="{9795EA9D-1C38-0764-3E3A-1EAE3C0193F0}"/>
+                <a16:creationId xmlns:a16="http://schemas.microsoft.com/office/drawing/2014/main" id="{D7FEC922-AC4F-A6AF-DB0F-AA2CF697B063}"/>
               </a:ext>
             </a:extLst>
           </p:cNvPr>
@@ -1844,9 +1838,9 @@
           <a:bodyPr/>
           <a:lstStyle/>
           <a:p>
-            <a:fld id="{9E81B343-C886-4BE7-BDCF-F48F63AA8696}" type="datetimeFigureOut">
+            <a:fld id="{ABA010E8-8B5B-4B0A-9592-B5FCD201839B}" type="datetimeFigureOut">
               <a:rPr lang="en-AU" smtClean="0"/>
-              <a:t>13/10/2024</a:t>
+              <a:t>14/10/24</a:t>
             </a:fld>
             <a:endParaRPr lang="en-AU"/>
           </a:p>
@@ -1857,7 +1851,7 @@
           <p:cNvPr id="8" name="Footer Placeholder 7">
             <a:extLst>
               <a:ext uri="{FF2B5EF4-FFF2-40B4-BE49-F238E27FC236}">
-                <a16:creationId xmlns:a16="http://schemas.microsoft.com/office/drawing/2014/main" id="{0AB6FF4D-3A0E-494D-0319-3B7D67DFFB00}"/>
+                <a16:creationId xmlns:a16="http://schemas.microsoft.com/office/drawing/2014/main" id="{280700E8-B800-A809-6136-9AF9217619BE}"/>
               </a:ext>
             </a:extLst>
           </p:cNvPr>
@@ -1882,7 +1876,7 @@
           <p:cNvPr id="9" name="Slide Number Placeholder 8">
             <a:extLst>
               <a:ext uri="{FF2B5EF4-FFF2-40B4-BE49-F238E27FC236}">
-                <a16:creationId xmlns:a16="http://schemas.microsoft.com/office/drawing/2014/main" id="{FDE36FA7-253C-2B5E-F4FA-58B64C7F29B5}"/>
+                <a16:creationId xmlns:a16="http://schemas.microsoft.com/office/drawing/2014/main" id="{422DD903-64B0-7B60-7915-4EB696F83D41}"/>
               </a:ext>
             </a:extLst>
           </p:cNvPr>
@@ -1898,7 +1892,7 @@
           <a:bodyPr/>
           <a:lstStyle/>
           <a:p>
-            <a:fld id="{D877763A-1E68-4855-911F-BA3DEEA035D2}" type="slidenum">
+            <a:fld id="{B4B22375-B4A0-47AA-BA6D-A3A5DC124852}" type="slidenum">
               <a:rPr lang="en-AU" smtClean="0"/>
               <a:t>‹#›</a:t>
             </a:fld>
@@ -1909,7 +1903,7 @@
     </p:spTree>
     <p:extLst>
       <p:ext uri="{BB962C8B-B14F-4D97-AF65-F5344CB8AC3E}">
-        <p14:creationId xmlns:p14="http://schemas.microsoft.com/office/powerpoint/2010/main" val="2689532625"/>
+        <p14:creationId xmlns:p14="http://schemas.microsoft.com/office/powerpoint/2010/main" val="14014309"/>
       </p:ext>
     </p:extLst>
   </p:cSld>
@@ -1941,7 +1935,7 @@
           <p:cNvPr id="2" name="Title 1">
             <a:extLst>
               <a:ext uri="{FF2B5EF4-FFF2-40B4-BE49-F238E27FC236}">
-                <a16:creationId xmlns:a16="http://schemas.microsoft.com/office/drawing/2014/main" id="{46CB4B92-7113-119E-FDA9-92B4573937B0}"/>
+                <a16:creationId xmlns:a16="http://schemas.microsoft.com/office/drawing/2014/main" id="{8C626249-8F34-B959-9264-4A00B73767D8}"/>
               </a:ext>
             </a:extLst>
           </p:cNvPr>
@@ -1970,7 +1964,7 @@
           <p:cNvPr id="3" name="Date Placeholder 2">
             <a:extLst>
               <a:ext uri="{FF2B5EF4-FFF2-40B4-BE49-F238E27FC236}">
-                <a16:creationId xmlns:a16="http://schemas.microsoft.com/office/drawing/2014/main" id="{B6BA5E42-CBEC-6BCE-D940-74CDE2DFD617}"/>
+                <a16:creationId xmlns:a16="http://schemas.microsoft.com/office/drawing/2014/main" id="{6DEB81A1-FA9F-D40A-A412-D103D57B6B7C}"/>
               </a:ext>
             </a:extLst>
           </p:cNvPr>
@@ -1986,9 +1980,9 @@
           <a:bodyPr/>
           <a:lstStyle/>
           <a:p>
-            <a:fld id="{9E81B343-C886-4BE7-BDCF-F48F63AA8696}" type="datetimeFigureOut">
+            <a:fld id="{ABA010E8-8B5B-4B0A-9592-B5FCD201839B}" type="datetimeFigureOut">
               <a:rPr lang="en-AU" smtClean="0"/>
-              <a:t>13/10/2024</a:t>
+              <a:t>14/10/24</a:t>
             </a:fld>
             <a:endParaRPr lang="en-AU"/>
           </a:p>
@@ -1999,7 +1993,7 @@
           <p:cNvPr id="4" name="Footer Placeholder 3">
             <a:extLst>
               <a:ext uri="{FF2B5EF4-FFF2-40B4-BE49-F238E27FC236}">
-                <a16:creationId xmlns:a16="http://schemas.microsoft.com/office/drawing/2014/main" id="{490E20FE-CEC2-DF29-A17C-87CD56A0BC26}"/>
+                <a16:creationId xmlns:a16="http://schemas.microsoft.com/office/drawing/2014/main" id="{4C2B8ED4-2B80-B5E6-8387-56255E8D021A}"/>
               </a:ext>
             </a:extLst>
           </p:cNvPr>
@@ -2024,7 +2018,7 @@
           <p:cNvPr id="5" name="Slide Number Placeholder 4">
             <a:extLst>
               <a:ext uri="{FF2B5EF4-FFF2-40B4-BE49-F238E27FC236}">
-                <a16:creationId xmlns:a16="http://schemas.microsoft.com/office/drawing/2014/main" id="{D13DDC41-B226-291E-6575-20B99E55E895}"/>
+                <a16:creationId xmlns:a16="http://schemas.microsoft.com/office/drawing/2014/main" id="{81E8DFBA-71DB-410B-6EEC-5A540526B4BA}"/>
               </a:ext>
             </a:extLst>
           </p:cNvPr>
@@ -2040,7 +2034,7 @@
           <a:bodyPr/>
           <a:lstStyle/>
           <a:p>
-            <a:fld id="{D877763A-1E68-4855-911F-BA3DEEA035D2}" type="slidenum">
+            <a:fld id="{B4B22375-B4A0-47AA-BA6D-A3A5DC124852}" type="slidenum">
               <a:rPr lang="en-AU" smtClean="0"/>
               <a:t>‹#›</a:t>
             </a:fld>
@@ -2051,7 +2045,7 @@
     </p:spTree>
     <p:extLst>
       <p:ext uri="{BB962C8B-B14F-4D97-AF65-F5344CB8AC3E}">
-        <p14:creationId xmlns:p14="http://schemas.microsoft.com/office/powerpoint/2010/main" val="1918306680"/>
+        <p14:creationId xmlns:p14="http://schemas.microsoft.com/office/powerpoint/2010/main" val="3301982961"/>
       </p:ext>
     </p:extLst>
   </p:cSld>
@@ -2083,7 +2077,7 @@
           <p:cNvPr id="2" name="Date Placeholder 1">
             <a:extLst>
               <a:ext uri="{FF2B5EF4-FFF2-40B4-BE49-F238E27FC236}">
-                <a16:creationId xmlns:a16="http://schemas.microsoft.com/office/drawing/2014/main" id="{29442BFE-594F-DD97-921D-DB2867C26814}"/>
+                <a16:creationId xmlns:a16="http://schemas.microsoft.com/office/drawing/2014/main" id="{9767DFBD-FF1B-00B0-A7D0-BD89ACD83E8A}"/>
               </a:ext>
             </a:extLst>
           </p:cNvPr>
@@ -2099,9 +2093,9 @@
           <a:bodyPr/>
           <a:lstStyle/>
           <a:p>
-            <a:fld id="{9E81B343-C886-4BE7-BDCF-F48F63AA8696}" type="datetimeFigureOut">
+            <a:fld id="{ABA010E8-8B5B-4B0A-9592-B5FCD201839B}" type="datetimeFigureOut">
               <a:rPr lang="en-AU" smtClean="0"/>
-              <a:t>13/10/2024</a:t>
+              <a:t>14/10/24</a:t>
             </a:fld>
             <a:endParaRPr lang="en-AU"/>
           </a:p>
@@ -2112,7 +2106,7 @@
           <p:cNvPr id="3" name="Footer Placeholder 2">
             <a:extLst>
               <a:ext uri="{FF2B5EF4-FFF2-40B4-BE49-F238E27FC236}">
-                <a16:creationId xmlns:a16="http://schemas.microsoft.com/office/drawing/2014/main" id="{D441C6D0-E106-A3C6-52F3-D0B5C6E0D9BC}"/>
+                <a16:creationId xmlns:a16="http://schemas.microsoft.com/office/drawing/2014/main" id="{F42A26E1-EA46-7F1C-0329-1FD2A9CD1D57}"/>
               </a:ext>
             </a:extLst>
           </p:cNvPr>
@@ -2137,7 +2131,7 @@
           <p:cNvPr id="4" name="Slide Number Placeholder 3">
             <a:extLst>
               <a:ext uri="{FF2B5EF4-FFF2-40B4-BE49-F238E27FC236}">
-                <a16:creationId xmlns:a16="http://schemas.microsoft.com/office/drawing/2014/main" id="{62165693-77E4-A3FC-E43C-454283CCA7E8}"/>
+                <a16:creationId xmlns:a16="http://schemas.microsoft.com/office/drawing/2014/main" id="{4164DA99-DA0A-E3CD-CAF5-EFF81F6771B9}"/>
               </a:ext>
             </a:extLst>
           </p:cNvPr>
@@ -2153,7 +2147,7 @@
           <a:bodyPr/>
           <a:lstStyle/>
           <a:p>
-            <a:fld id="{D877763A-1E68-4855-911F-BA3DEEA035D2}" type="slidenum">
+            <a:fld id="{B4B22375-B4A0-47AA-BA6D-A3A5DC124852}" type="slidenum">
               <a:rPr lang="en-AU" smtClean="0"/>
               <a:t>‹#›</a:t>
             </a:fld>
@@ -2164,7 +2158,7 @@
     </p:spTree>
     <p:extLst>
       <p:ext uri="{BB962C8B-B14F-4D97-AF65-F5344CB8AC3E}">
-        <p14:creationId xmlns:p14="http://schemas.microsoft.com/office/powerpoint/2010/main" val="2682122660"/>
+        <p14:creationId xmlns:p14="http://schemas.microsoft.com/office/powerpoint/2010/main" val="2705473257"/>
       </p:ext>
     </p:extLst>
   </p:cSld>
@@ -2196,7 +2190,7 @@
           <p:cNvPr id="2" name="Title 1">
             <a:extLst>
               <a:ext uri="{FF2B5EF4-FFF2-40B4-BE49-F238E27FC236}">
-                <a16:creationId xmlns:a16="http://schemas.microsoft.com/office/drawing/2014/main" id="{7F101368-B73E-6ACF-5FDA-77F04A314986}"/>
+                <a16:creationId xmlns:a16="http://schemas.microsoft.com/office/drawing/2014/main" id="{14196152-6F8A-C8C8-F085-012C9347ABE2}"/>
               </a:ext>
             </a:extLst>
           </p:cNvPr>
@@ -2234,7 +2228,7 @@
           <p:cNvPr id="3" name="Content Placeholder 2">
             <a:extLst>
               <a:ext uri="{FF2B5EF4-FFF2-40B4-BE49-F238E27FC236}">
-                <a16:creationId xmlns:a16="http://schemas.microsoft.com/office/drawing/2014/main" id="{0F092339-44B0-DC2D-B88C-8678E3924B6A}"/>
+                <a16:creationId xmlns:a16="http://schemas.microsoft.com/office/drawing/2014/main" id="{6CAAD947-1F8D-A188-0E51-0CEFCC3F426A}"/>
               </a:ext>
             </a:extLst>
           </p:cNvPr>
@@ -2325,7 +2319,7 @@
           <p:cNvPr id="4" name="Text Placeholder 3">
             <a:extLst>
               <a:ext uri="{FF2B5EF4-FFF2-40B4-BE49-F238E27FC236}">
-                <a16:creationId xmlns:a16="http://schemas.microsoft.com/office/drawing/2014/main" id="{C6AE5324-13D6-FC4E-9A29-D8BFE8A292CF}"/>
+                <a16:creationId xmlns:a16="http://schemas.microsoft.com/office/drawing/2014/main" id="{D672F10E-30DC-B8DB-D34B-8032304FB7D8}"/>
               </a:ext>
             </a:extLst>
           </p:cNvPr>
@@ -2396,7 +2390,7 @@
           <p:cNvPr id="5" name="Date Placeholder 4">
             <a:extLst>
               <a:ext uri="{FF2B5EF4-FFF2-40B4-BE49-F238E27FC236}">
-                <a16:creationId xmlns:a16="http://schemas.microsoft.com/office/drawing/2014/main" id="{81FC0E33-EE61-4840-651B-84759A8D69BC}"/>
+                <a16:creationId xmlns:a16="http://schemas.microsoft.com/office/drawing/2014/main" id="{2BB299E3-AE71-E31F-FABE-B2E1928CECAB}"/>
               </a:ext>
             </a:extLst>
           </p:cNvPr>
@@ -2412,9 +2406,9 @@
           <a:bodyPr/>
           <a:lstStyle/>
           <a:p>
-            <a:fld id="{9E81B343-C886-4BE7-BDCF-F48F63AA8696}" type="datetimeFigureOut">
+            <a:fld id="{ABA010E8-8B5B-4B0A-9592-B5FCD201839B}" type="datetimeFigureOut">
               <a:rPr lang="en-AU" smtClean="0"/>
-              <a:t>13/10/2024</a:t>
+              <a:t>14/10/24</a:t>
             </a:fld>
             <a:endParaRPr lang="en-AU"/>
           </a:p>
@@ -2425,7 +2419,7 @@
           <p:cNvPr id="6" name="Footer Placeholder 5">
             <a:extLst>
               <a:ext uri="{FF2B5EF4-FFF2-40B4-BE49-F238E27FC236}">
-                <a16:creationId xmlns:a16="http://schemas.microsoft.com/office/drawing/2014/main" id="{60B0F6F7-AAEF-6D2F-6B8A-901CD2DF6EAA}"/>
+                <a16:creationId xmlns:a16="http://schemas.microsoft.com/office/drawing/2014/main" id="{00F5FA54-0A64-2CA5-AE38-5FFC7F13BBAE}"/>
               </a:ext>
             </a:extLst>
           </p:cNvPr>
@@ -2450,7 +2444,7 @@
           <p:cNvPr id="7" name="Slide Number Placeholder 6">
             <a:extLst>
               <a:ext uri="{FF2B5EF4-FFF2-40B4-BE49-F238E27FC236}">
-                <a16:creationId xmlns:a16="http://schemas.microsoft.com/office/drawing/2014/main" id="{3356ACC9-AA3E-DDE4-17EC-85AC1F5AFA45}"/>
+                <a16:creationId xmlns:a16="http://schemas.microsoft.com/office/drawing/2014/main" id="{3CA9C799-0636-904B-8FEB-14B6B47AF03B}"/>
               </a:ext>
             </a:extLst>
           </p:cNvPr>
@@ -2466,7 +2460,7 @@
           <a:bodyPr/>
           <a:lstStyle/>
           <a:p>
-            <a:fld id="{D877763A-1E68-4855-911F-BA3DEEA035D2}" type="slidenum">
+            <a:fld id="{B4B22375-B4A0-47AA-BA6D-A3A5DC124852}" type="slidenum">
               <a:rPr lang="en-AU" smtClean="0"/>
               <a:t>‹#›</a:t>
             </a:fld>
@@ -2477,7 +2471,7 @@
     </p:spTree>
     <p:extLst>
       <p:ext uri="{BB962C8B-B14F-4D97-AF65-F5344CB8AC3E}">
-        <p14:creationId xmlns:p14="http://schemas.microsoft.com/office/powerpoint/2010/main" val="2359097608"/>
+        <p14:creationId xmlns:p14="http://schemas.microsoft.com/office/powerpoint/2010/main" val="1207833700"/>
       </p:ext>
     </p:extLst>
   </p:cSld>
@@ -2509,7 +2503,7 @@
           <p:cNvPr id="2" name="Title 1">
             <a:extLst>
               <a:ext uri="{FF2B5EF4-FFF2-40B4-BE49-F238E27FC236}">
-                <a16:creationId xmlns:a16="http://schemas.microsoft.com/office/drawing/2014/main" id="{CD841343-A2F7-6070-58BF-3A88514FB04A}"/>
+                <a16:creationId xmlns:a16="http://schemas.microsoft.com/office/drawing/2014/main" id="{33C80B8F-B6E0-BB80-AF95-C5C3F974C443}"/>
               </a:ext>
             </a:extLst>
           </p:cNvPr>
@@ -2547,7 +2541,7 @@
           <p:cNvPr id="3" name="Picture Placeholder 2">
             <a:extLst>
               <a:ext uri="{FF2B5EF4-FFF2-40B4-BE49-F238E27FC236}">
-                <a16:creationId xmlns:a16="http://schemas.microsoft.com/office/drawing/2014/main" id="{8ABCB698-F668-A4A0-6135-0C1A3C85CA69}"/>
+                <a16:creationId xmlns:a16="http://schemas.microsoft.com/office/drawing/2014/main" id="{0D368D0D-20FF-7613-9F14-D42C8CAFE4DF}"/>
               </a:ext>
             </a:extLst>
           </p:cNvPr>
@@ -2614,7 +2608,7 @@
           <p:cNvPr id="4" name="Text Placeholder 3">
             <a:extLst>
               <a:ext uri="{FF2B5EF4-FFF2-40B4-BE49-F238E27FC236}">
-                <a16:creationId xmlns:a16="http://schemas.microsoft.com/office/drawing/2014/main" id="{CEB1F330-8EF0-8243-F810-540924366FC9}"/>
+                <a16:creationId xmlns:a16="http://schemas.microsoft.com/office/drawing/2014/main" id="{D0765806-3BB5-4D32-EDA0-3E062EC3D0DF}"/>
               </a:ext>
             </a:extLst>
           </p:cNvPr>
@@ -2685,7 +2679,7 @@
           <p:cNvPr id="5" name="Date Placeholder 4">
             <a:extLst>
               <a:ext uri="{FF2B5EF4-FFF2-40B4-BE49-F238E27FC236}">
-                <a16:creationId xmlns:a16="http://schemas.microsoft.com/office/drawing/2014/main" id="{EDB576F8-E903-0DCD-C6F3-67FFAA019938}"/>
+                <a16:creationId xmlns:a16="http://schemas.microsoft.com/office/drawing/2014/main" id="{7206C37A-AC8E-16D3-BB89-BDDC0B83EE75}"/>
               </a:ext>
             </a:extLst>
           </p:cNvPr>
@@ -2701,9 +2695,9 @@
           <a:bodyPr/>
           <a:lstStyle/>
           <a:p>
-            <a:fld id="{9E81B343-C886-4BE7-BDCF-F48F63AA8696}" type="datetimeFigureOut">
+            <a:fld id="{ABA010E8-8B5B-4B0A-9592-B5FCD201839B}" type="datetimeFigureOut">
               <a:rPr lang="en-AU" smtClean="0"/>
-              <a:t>13/10/2024</a:t>
+              <a:t>14/10/24</a:t>
             </a:fld>
             <a:endParaRPr lang="en-AU"/>
           </a:p>
@@ -2714,7 +2708,7 @@
           <p:cNvPr id="6" name="Footer Placeholder 5">
             <a:extLst>
               <a:ext uri="{FF2B5EF4-FFF2-40B4-BE49-F238E27FC236}">
-                <a16:creationId xmlns:a16="http://schemas.microsoft.com/office/drawing/2014/main" id="{CA9B19F8-CCF5-DDAB-F6FC-A958B3A13E61}"/>
+                <a16:creationId xmlns:a16="http://schemas.microsoft.com/office/drawing/2014/main" id="{539BF504-969C-A0A2-62E9-A952674FF82F}"/>
               </a:ext>
             </a:extLst>
           </p:cNvPr>
@@ -2739,7 +2733,7 @@
           <p:cNvPr id="7" name="Slide Number Placeholder 6">
             <a:extLst>
               <a:ext uri="{FF2B5EF4-FFF2-40B4-BE49-F238E27FC236}">
-                <a16:creationId xmlns:a16="http://schemas.microsoft.com/office/drawing/2014/main" id="{5E5B94FD-53E9-920A-6C29-13B8919FFE5B}"/>
+                <a16:creationId xmlns:a16="http://schemas.microsoft.com/office/drawing/2014/main" id="{D442E7F4-ABBC-4EEB-4687-87BEE276FCDC}"/>
               </a:ext>
             </a:extLst>
           </p:cNvPr>
@@ -2755,7 +2749,7 @@
           <a:bodyPr/>
           <a:lstStyle/>
           <a:p>
-            <a:fld id="{D877763A-1E68-4855-911F-BA3DEEA035D2}" type="slidenum">
+            <a:fld id="{B4B22375-B4A0-47AA-BA6D-A3A5DC124852}" type="slidenum">
               <a:rPr lang="en-AU" smtClean="0"/>
               <a:t>‹#›</a:t>
             </a:fld>
@@ -2766,7 +2760,7 @@
     </p:spTree>
     <p:extLst>
       <p:ext uri="{BB962C8B-B14F-4D97-AF65-F5344CB8AC3E}">
-        <p14:creationId xmlns:p14="http://schemas.microsoft.com/office/powerpoint/2010/main" val="2960319018"/>
+        <p14:creationId xmlns:p14="http://schemas.microsoft.com/office/powerpoint/2010/main" val="2265028772"/>
       </p:ext>
     </p:extLst>
   </p:cSld>
@@ -2803,7 +2797,7 @@
           <p:cNvPr id="2" name="Title Placeholder 1">
             <a:extLst>
               <a:ext uri="{FF2B5EF4-FFF2-40B4-BE49-F238E27FC236}">
-                <a16:creationId xmlns:a16="http://schemas.microsoft.com/office/drawing/2014/main" id="{75096AB6-B78D-653A-5816-8F6E9FD874C9}"/>
+                <a16:creationId xmlns:a16="http://schemas.microsoft.com/office/drawing/2014/main" id="{6B6AF962-3874-2EF0-27E0-98C49E116003}"/>
               </a:ext>
             </a:extLst>
           </p:cNvPr>
@@ -2842,7 +2836,7 @@
           <p:cNvPr id="3" name="Text Placeholder 2">
             <a:extLst>
               <a:ext uri="{FF2B5EF4-FFF2-40B4-BE49-F238E27FC236}">
-                <a16:creationId xmlns:a16="http://schemas.microsoft.com/office/drawing/2014/main" id="{2B77E8A6-527F-2621-06EE-50A98226B786}"/>
+                <a16:creationId xmlns:a16="http://schemas.microsoft.com/office/drawing/2014/main" id="{A21B23A8-F336-9872-50CD-FFE6DF6CBBDC}"/>
               </a:ext>
             </a:extLst>
           </p:cNvPr>
@@ -2910,7 +2904,7 @@
           <p:cNvPr id="4" name="Date Placeholder 3">
             <a:extLst>
               <a:ext uri="{FF2B5EF4-FFF2-40B4-BE49-F238E27FC236}">
-                <a16:creationId xmlns:a16="http://schemas.microsoft.com/office/drawing/2014/main" id="{7B1A7CEB-05EF-785D-6B97-496B2CF4D4D1}"/>
+                <a16:creationId xmlns:a16="http://schemas.microsoft.com/office/drawing/2014/main" id="{B93D95DC-EE17-18EC-AAB1-33F75D6967BD}"/>
               </a:ext>
             </a:extLst>
           </p:cNvPr>
@@ -2944,9 +2938,9 @@
             </a:lvl1pPr>
           </a:lstStyle>
           <a:p>
-            <a:fld id="{9E81B343-C886-4BE7-BDCF-F48F63AA8696}" type="datetimeFigureOut">
+            <a:fld id="{ABA010E8-8B5B-4B0A-9592-B5FCD201839B}" type="datetimeFigureOut">
               <a:rPr lang="en-AU" smtClean="0"/>
-              <a:t>13/10/2024</a:t>
+              <a:t>14/10/24</a:t>
             </a:fld>
             <a:endParaRPr lang="en-AU"/>
           </a:p>
@@ -2957,7 +2951,7 @@
           <p:cNvPr id="5" name="Footer Placeholder 4">
             <a:extLst>
               <a:ext uri="{FF2B5EF4-FFF2-40B4-BE49-F238E27FC236}">
-                <a16:creationId xmlns:a16="http://schemas.microsoft.com/office/drawing/2014/main" id="{49AAB693-A7F7-5B19-5992-8140C51891D8}"/>
+                <a16:creationId xmlns:a16="http://schemas.microsoft.com/office/drawing/2014/main" id="{6A4C5D0B-D794-FECA-E8CA-C39364767C6D}"/>
               </a:ext>
             </a:extLst>
           </p:cNvPr>
@@ -3000,7 +2994,7 @@
           <p:cNvPr id="6" name="Slide Number Placeholder 5">
             <a:extLst>
               <a:ext uri="{FF2B5EF4-FFF2-40B4-BE49-F238E27FC236}">
-                <a16:creationId xmlns:a16="http://schemas.microsoft.com/office/drawing/2014/main" id="{9C37A5EB-1B9E-1A28-5F5B-E6D10824CD3B}"/>
+                <a16:creationId xmlns:a16="http://schemas.microsoft.com/office/drawing/2014/main" id="{D45FD109-051C-E6AA-77FD-817C40C482CE}"/>
               </a:ext>
             </a:extLst>
           </p:cNvPr>
@@ -3034,7 +3028,7 @@
             </a:lvl1pPr>
           </a:lstStyle>
           <a:p>
-            <a:fld id="{D877763A-1E68-4855-911F-BA3DEEA035D2}" type="slidenum">
+            <a:fld id="{B4B22375-B4A0-47AA-BA6D-A3A5DC124852}" type="slidenum">
               <a:rPr lang="en-AU" smtClean="0"/>
               <a:t>‹#›</a:t>
             </a:fld>
@@ -3045,7 +3039,7 @@
     </p:spTree>
     <p:extLst>
       <p:ext uri="{BB962C8B-B14F-4D97-AF65-F5344CB8AC3E}">
-        <p14:creationId xmlns:p14="http://schemas.microsoft.com/office/powerpoint/2010/main" val="1784542056"/>
+        <p14:creationId xmlns:p14="http://schemas.microsoft.com/office/powerpoint/2010/main" val="3042055203"/>
       </p:ext>
     </p:extLst>
   </p:cSld>
@@ -3365,10 +3359,10 @@
       </p:grpSpPr>
       <p:sp>
         <p:nvSpPr>
-          <p:cNvPr id="2" name="Title 1">
-            <a:extLst>
-              <a:ext uri="{FF2B5EF4-FFF2-40B4-BE49-F238E27FC236}">
-                <a16:creationId xmlns:a16="http://schemas.microsoft.com/office/drawing/2014/main" id="{C20E8CA6-29AA-2186-24D9-0B48157F8090}"/>
+          <p:cNvPr id="4" name="Title 3">
+            <a:extLst>
+              <a:ext uri="{FF2B5EF4-FFF2-40B4-BE49-F238E27FC236}">
+                <a16:creationId xmlns:a16="http://schemas.microsoft.com/office/drawing/2014/main" id="{55FF457F-230D-2222-6051-FB735BA925DD}"/>
               </a:ext>
             </a:extLst>
           </p:cNvPr>
@@ -3390,10 +3384,10 @@
       </p:sp>
       <p:sp>
         <p:nvSpPr>
-          <p:cNvPr id="3" name="Subtitle 2">
-            <a:extLst>
-              <a:ext uri="{FF2B5EF4-FFF2-40B4-BE49-F238E27FC236}">
-                <a16:creationId xmlns:a16="http://schemas.microsoft.com/office/drawing/2014/main" id="{EC4BE3F7-6560-F64B-8989-982A635CC127}"/>
+          <p:cNvPr id="5" name="Subtitle 4">
+            <a:extLst>
+              <a:ext uri="{FF2B5EF4-FFF2-40B4-BE49-F238E27FC236}">
+                <a16:creationId xmlns:a16="http://schemas.microsoft.com/office/drawing/2014/main" id="{C0E7614C-CDCA-7F28-77B1-DB9B9A6C80F5}"/>
               </a:ext>
             </a:extLst>
           </p:cNvPr>
@@ -3416,7 +3410,276 @@
     </p:spTree>
     <p:extLst>
       <p:ext uri="{BB962C8B-B14F-4D97-AF65-F5344CB8AC3E}">
-        <p14:creationId xmlns:p14="http://schemas.microsoft.com/office/powerpoint/2010/main" val="2020188002"/>
+        <p14:creationId xmlns:p14="http://schemas.microsoft.com/office/powerpoint/2010/main" val="4122436765"/>
+      </p:ext>
+    </p:extLst>
+  </p:cSld>
+  <p:clrMapOvr>
+    <a:masterClrMapping/>
+  </p:clrMapOvr>
+</p:sld>
+</file>
+
+<file path=ppt/slides/slide2.xml><?xml version="1.0" encoding="utf-8"?>
+<p:sld xmlns:a="http://schemas.openxmlformats.org/drawingml/2006/main" xmlns:r="http://schemas.openxmlformats.org/officeDocument/2006/relationships" xmlns:p="http://schemas.openxmlformats.org/presentationml/2006/main">
+  <p:cSld>
+    <p:spTree>
+      <p:nvGrpSpPr>
+        <p:cNvPr id="1" name=""/>
+        <p:cNvGrpSpPr/>
+        <p:nvPr/>
+      </p:nvGrpSpPr>
+      <p:grpSpPr>
+        <a:xfrm>
+          <a:off x="0" y="0"/>
+          <a:ext cx="0" cy="0"/>
+          <a:chOff x="0" y="0"/>
+          <a:chExt cx="0" cy="0"/>
+        </a:xfrm>
+      </p:grpSpPr>
+      <p:sp>
+        <p:nvSpPr>
+          <p:cNvPr id="2" name="Title 1">
+            <a:extLst>
+              <a:ext uri="{FF2B5EF4-FFF2-40B4-BE49-F238E27FC236}">
+                <a16:creationId xmlns:a16="http://schemas.microsoft.com/office/drawing/2014/main" id="{ED3EB716-12E4-B0B5-B6E1-5A532994796A}"/>
+              </a:ext>
+            </a:extLst>
+          </p:cNvPr>
+          <p:cNvSpPr>
+            <a:spLocks noGrp="1"/>
+          </p:cNvSpPr>
+          <p:nvPr>
+            <p:ph type="title"/>
+          </p:nvPr>
+        </p:nvSpPr>
+        <p:spPr/>
+        <p:txBody>
+          <a:bodyPr/>
+          <a:lstStyle/>
+          <a:p>
+            <a:r>
+              <a:rPr lang="en-AU" dirty="0"/>
+              <a:t>Introduction</a:t>
+            </a:r>
+          </a:p>
+        </p:txBody>
+      </p:sp>
+      <p:sp>
+        <p:nvSpPr>
+          <p:cNvPr id="4" name="Rectangle 1">
+            <a:extLst>
+              <a:ext uri="{FF2B5EF4-FFF2-40B4-BE49-F238E27FC236}">
+                <a16:creationId xmlns:a16="http://schemas.microsoft.com/office/drawing/2014/main" id="{AA01CD72-0BD1-4787-6179-D2122F65BA85}"/>
+              </a:ext>
+            </a:extLst>
+          </p:cNvPr>
+          <p:cNvSpPr>
+            <a:spLocks noGrp="1" noChangeArrowheads="1"/>
+          </p:cNvSpPr>
+          <p:nvPr>
+            <p:ph idx="1"/>
+          </p:nvPr>
+        </p:nvSpPr>
+        <p:spPr bwMode="auto">
+          <a:xfrm>
+            <a:off x="947056" y="2644170"/>
+            <a:ext cx="7990113" cy="1569660"/>
+          </a:xfrm>
+          <a:prstGeom prst="rect">
+            <a:avLst/>
+          </a:prstGeom>
+          <a:noFill/>
+          <a:ln>
+            <a:noFill/>
+          </a:ln>
+          <a:effectLst/>
+          <a:extLst>
+            <a:ext uri="{909E8E84-426E-40DD-AFC4-6F175D3DCCD1}">
+              <a14:hiddenFill xmlns:a14="http://schemas.microsoft.com/office/drawing/2010/main">
+                <a:solidFill>
+                  <a:schemeClr val="accent1"/>
+                </a:solidFill>
+              </a14:hiddenFill>
+            </a:ext>
+            <a:ext uri="{91240B29-F687-4F45-9708-019B960494DF}">
+              <a14:hiddenLine xmlns:a14="http://schemas.microsoft.com/office/drawing/2010/main" w="9525">
+                <a:solidFill>
+                  <a:schemeClr val="tx1"/>
+                </a:solidFill>
+                <a:miter lim="800000"/>
+                <a:headEnd/>
+                <a:tailEnd/>
+              </a14:hiddenLine>
+            </a:ext>
+            <a:ext uri="{AF507438-7753-43E0-B8FC-AC1667EBCBE1}">
+              <a14:hiddenEffects xmlns:a14="http://schemas.microsoft.com/office/drawing/2010/main">
+                <a:effectLst>
+                  <a:outerShdw dist="35921" dir="2700000" algn="ctr" rotWithShape="0">
+                    <a:schemeClr val="bg2"/>
+                  </a:outerShdw>
+                </a:effectLst>
+              </a14:hiddenEffects>
+            </a:ext>
+          </a:extLst>
+        </p:spPr>
+        <p:txBody>
+          <a:bodyPr vert="horz" wrap="square" lIns="91440" tIns="45720" rIns="91440" bIns="45720" numCol="1" anchor="ctr" anchorCtr="0" compatLnSpc="1">
+            <a:prstTxWarp prst="textNoShape">
+              <a:avLst/>
+            </a:prstTxWarp>
+            <a:spAutoFit/>
+          </a:bodyPr>
+          <a:lstStyle/>
+          <a:p>
+            <a:pPr marL="0" marR="0" lvl="0" indent="0" algn="l" defTabSz="914400" rtl="0" eaLnBrk="0" fontAlgn="base" latinLnBrk="0" hangingPunct="0">
+              <a:lnSpc>
+                <a:spcPct val="100000"/>
+              </a:lnSpc>
+              <a:spcBef>
+                <a:spcPct val="0"/>
+              </a:spcBef>
+              <a:spcAft>
+                <a:spcPct val="0"/>
+              </a:spcAft>
+              <a:buClrTx/>
+              <a:buSzTx/>
+              <a:buFontTx/>
+              <a:buNone/>
+              <a:tabLst/>
+            </a:pPr>
+            <a:r>
+              <a:rPr kumimoji="0" lang="en-US" altLang="en-US" sz="2400" b="0" i="0" u="none" strike="noStrike" cap="none" normalizeH="0" baseline="0" dirty="0">
+                <a:ln>
+                  <a:noFill/>
+                </a:ln>
+                <a:solidFill>
+                  <a:srgbClr val="000000"/>
+                </a:solidFill>
+                <a:effectLst/>
+                <a:latin typeface="Aptos" panose="020B0004020202020204" pitchFamily="34" charset="0"/>
+              </a:rPr>
+              <a:t>Humans are very careless; we chuck rubbish out and don’t put too much care into what happens to it. This leads to litter and pollution. So, we are here today to pitch our idea of how we can reverse this, starting with the problem.</a:t>
+            </a:r>
+            <a:endParaRPr kumimoji="0" lang="en-US" altLang="en-US" sz="3600" b="0" i="0" u="none" strike="noStrike" cap="none" normalizeH="0" baseline="0" dirty="0">
+              <a:ln>
+                <a:noFill/>
+              </a:ln>
+              <a:solidFill>
+                <a:schemeClr val="tx1"/>
+              </a:solidFill>
+              <a:effectLst/>
+              <a:latin typeface="Arial" panose="020B0604020202020204" pitchFamily="34" charset="0"/>
+            </a:endParaRPr>
+          </a:p>
+        </p:txBody>
+      </p:sp>
+    </p:spTree>
+    <p:extLst>
+      <p:ext uri="{BB962C8B-B14F-4D97-AF65-F5344CB8AC3E}">
+        <p14:creationId xmlns:p14="http://schemas.microsoft.com/office/powerpoint/2010/main" val="1680795979"/>
+      </p:ext>
+    </p:extLst>
+  </p:cSld>
+  <p:clrMapOvr>
+    <a:masterClrMapping/>
+  </p:clrMapOvr>
+</p:sld>
+</file>
+
+<file path=ppt/slides/slide3.xml><?xml version="1.0" encoding="utf-8"?>
+<p:sld xmlns:a="http://schemas.openxmlformats.org/drawingml/2006/main" xmlns:r="http://schemas.openxmlformats.org/officeDocument/2006/relationships" xmlns:p="http://schemas.openxmlformats.org/presentationml/2006/main">
+  <p:cSld>
+    <p:spTree>
+      <p:nvGrpSpPr>
+        <p:cNvPr id="1" name=""/>
+        <p:cNvGrpSpPr/>
+        <p:nvPr/>
+      </p:nvGrpSpPr>
+      <p:grpSpPr>
+        <a:xfrm>
+          <a:off x="0" y="0"/>
+          <a:ext cx="0" cy="0"/>
+          <a:chOff x="0" y="0"/>
+          <a:chExt cx="0" cy="0"/>
+        </a:xfrm>
+      </p:grpSpPr>
+      <p:sp>
+        <p:nvSpPr>
+          <p:cNvPr id="2" name="Title 1">
+            <a:extLst>
+              <a:ext uri="{FF2B5EF4-FFF2-40B4-BE49-F238E27FC236}">
+                <a16:creationId xmlns:a16="http://schemas.microsoft.com/office/drawing/2014/main" id="{E509352F-BACE-AE02-BEAD-757CD3CD5793}"/>
+              </a:ext>
+            </a:extLst>
+          </p:cNvPr>
+          <p:cNvSpPr>
+            <a:spLocks noGrp="1"/>
+          </p:cNvSpPr>
+          <p:nvPr>
+            <p:ph type="title"/>
+          </p:nvPr>
+        </p:nvSpPr>
+        <p:spPr/>
+        <p:txBody>
+          <a:bodyPr/>
+          <a:lstStyle/>
+          <a:p>
+            <a:r>
+              <a:rPr lang="en-AU" noProof="0" dirty="0"/>
+              <a:t>The Problem</a:t>
+            </a:r>
+          </a:p>
+        </p:txBody>
+      </p:sp>
+      <p:sp>
+        <p:nvSpPr>
+          <p:cNvPr id="3" name="Content Placeholder 2">
+            <a:extLst>
+              <a:ext uri="{FF2B5EF4-FFF2-40B4-BE49-F238E27FC236}">
+                <a16:creationId xmlns:a16="http://schemas.microsoft.com/office/drawing/2014/main" id="{C10FA1A3-8AF0-984E-79D6-B1EDAD8778F0}"/>
+              </a:ext>
+            </a:extLst>
+          </p:cNvPr>
+          <p:cNvSpPr>
+            <a:spLocks noGrp="1"/>
+          </p:cNvSpPr>
+          <p:nvPr>
+            <p:ph idx="1"/>
+          </p:nvPr>
+        </p:nvSpPr>
+        <p:spPr>
+          <a:xfrm>
+            <a:off x="838199" y="1825625"/>
+            <a:ext cx="10798629" cy="3682546"/>
+          </a:xfrm>
+        </p:spPr>
+        <p:txBody>
+          <a:bodyPr>
+            <a:normAutofit/>
+          </a:bodyPr>
+          <a:lstStyle/>
+          <a:p>
+            <a:pPr marL="0" indent="0" algn="l" fontAlgn="base">
+              <a:buNone/>
+            </a:pPr>
+            <a:r>
+              <a:rPr lang="en-AU" b="0" i="0" noProof="0" dirty="0">
+                <a:solidFill>
+                  <a:srgbClr val="000000"/>
+                </a:solidFill>
+                <a:effectLst/>
+                <a:latin typeface="Aptos" panose="020B0004020202020204" pitchFamily="34" charset="0"/>
+              </a:rPr>
+              <a:t>There are currently over 5 trillion pieces of rubbish littering the ocean. These staggering amounts of garbage have accumulated in about 5 garbage patches, the most well-known one being the Great Pacific Garbage Patch. However, all though most of this rubbish floats in the water, creating large rubbish islands. Many animals will ingest the rubbish, making them sick and leading to death. As  this rubbish gets really waterlogged, unless it is heavy to start with, it sinks to the sea floor, damaging the environments like reefs. This brings us to the solutions used to combat this rubbish and protect the environment.</a:t>
+            </a:r>
+          </a:p>
+        </p:txBody>
+      </p:sp>
+    </p:spTree>
+    <p:extLst>
+      <p:ext uri="{BB962C8B-B14F-4D97-AF65-F5344CB8AC3E}">
+        <p14:creationId xmlns:p14="http://schemas.microsoft.com/office/powerpoint/2010/main" val="542633858"/>
       </p:ext>
     </p:extLst>
   </p:cSld>
